--- a/Hive_Def_Guide_mar_2016/Hive_programming_Hive_part2.pptx
+++ b/Hive_Def_Guide_mar_2016/Hive_programming_Hive_part2.pptx
@@ -5,11 +5,22 @@
     <p:sldMasterId id="2147483648" r:id="rId1"/>
   </p:sldMasterIdLst>
   <p:notesMasterIdLst>
-    <p:notesMasterId r:id="rId4"/>
+    <p:notesMasterId r:id="rId15"/>
   </p:notesMasterIdLst>
   <p:sldIdLst>
     <p:sldId id="256" r:id="rId2"/>
     <p:sldId id="257" r:id="rId3"/>
+    <p:sldId id="258" r:id="rId4"/>
+    <p:sldId id="259" r:id="rId5"/>
+    <p:sldId id="260" r:id="rId6"/>
+    <p:sldId id="261" r:id="rId7"/>
+    <p:sldId id="262" r:id="rId8"/>
+    <p:sldId id="263" r:id="rId9"/>
+    <p:sldId id="264" r:id="rId10"/>
+    <p:sldId id="265" r:id="rId11"/>
+    <p:sldId id="266" r:id="rId12"/>
+    <p:sldId id="267" r:id="rId13"/>
+    <p:sldId id="268" r:id="rId14"/>
   </p:sldIdLst>
   <p:sldSz cx="12192000" cy="6858000"/>
   <p:notesSz cx="6858000" cy="9144000"/>
@@ -198,7 +209,7 @@
           <a:p>
             <a:fld id="{7F59ECAF-9204-49EC-8529-262F9FE88223}" type="datetimeFigureOut">
               <a:rPr lang="en-US" smtClean="0"/>
-              <a:t>3/14/2016</a:t>
+              <a:t>3/16/2016</a:t>
             </a:fld>
             <a:endParaRPr lang="en-US"/>
           </a:p>
@@ -466,6 +477,886 @@
 </p:notesMaster>
 </file>
 
+<file path=ppt/notesSlides/notesSlide1.xml><?xml version="1.0" encoding="utf-8"?>
+<p:notes xmlns:a="http://schemas.openxmlformats.org/drawingml/2006/main" xmlns:r="http://schemas.openxmlformats.org/officeDocument/2006/relationships" xmlns:p="http://schemas.openxmlformats.org/presentationml/2006/main">
+  <p:cSld>
+    <p:spTree>
+      <p:nvGrpSpPr>
+        <p:cNvPr id="1" name=""/>
+        <p:cNvGrpSpPr/>
+        <p:nvPr/>
+      </p:nvGrpSpPr>
+      <p:grpSpPr>
+        <a:xfrm>
+          <a:off x="0" y="0"/>
+          <a:ext cx="0" cy="0"/>
+          <a:chOff x="0" y="0"/>
+          <a:chExt cx="0" cy="0"/>
+        </a:xfrm>
+      </p:grpSpPr>
+      <p:sp>
+        <p:nvSpPr>
+          <p:cNvPr id="2" name="Slide Image Placeholder 1"/>
+          <p:cNvSpPr>
+            <a:spLocks noGrp="1" noRot="1" noChangeAspect="1"/>
+          </p:cNvSpPr>
+          <p:nvPr>
+            <p:ph type="sldImg"/>
+          </p:nvPr>
+        </p:nvSpPr>
+        <p:spPr/>
+      </p:sp>
+      <p:sp>
+        <p:nvSpPr>
+          <p:cNvPr id="3" name="Notes Placeholder 2"/>
+          <p:cNvSpPr>
+            <a:spLocks noGrp="1"/>
+          </p:cNvSpPr>
+          <p:nvPr>
+            <p:ph type="body" idx="1"/>
+          </p:nvPr>
+        </p:nvSpPr>
+        <p:spPr/>
+        <p:txBody>
+          <a:bodyPr/>
+          <a:lstStyle/>
+          <a:p>
+            <a:r>
+              <a:rPr lang="en-US" dirty="0" smtClean="0"/>
+              <a:t>http://www.hadooptpoint.com/hadoop-hive-data-types-with-examples/</a:t>
+            </a:r>
+            <a:endParaRPr lang="en-US" dirty="0"/>
+          </a:p>
+        </p:txBody>
+      </p:sp>
+      <p:sp>
+        <p:nvSpPr>
+          <p:cNvPr id="4" name="Slide Number Placeholder 3"/>
+          <p:cNvSpPr>
+            <a:spLocks noGrp="1"/>
+          </p:cNvSpPr>
+          <p:nvPr>
+            <p:ph type="sldNum" sz="quarter" idx="10"/>
+          </p:nvPr>
+        </p:nvSpPr>
+        <p:spPr/>
+        <p:txBody>
+          <a:bodyPr/>
+          <a:lstStyle/>
+          <a:p>
+            <a:fld id="{300070EE-FEF5-4A53-92E1-B9B0204C207A}" type="slidenum">
+              <a:rPr lang="en-US" smtClean="0"/>
+              <a:t>4</a:t>
+            </a:fld>
+            <a:endParaRPr lang="en-US"/>
+          </a:p>
+        </p:txBody>
+      </p:sp>
+    </p:spTree>
+    <p:extLst>
+      <p:ext uri="{BB962C8B-B14F-4D97-AF65-F5344CB8AC3E}">
+        <p14:creationId xmlns:p14="http://schemas.microsoft.com/office/powerpoint/2010/main" val="2247583058"/>
+      </p:ext>
+    </p:extLst>
+  </p:cSld>
+  <p:clrMapOvr>
+    <a:masterClrMapping/>
+  </p:clrMapOvr>
+</p:notes>
+</file>
+
+<file path=ppt/notesSlides/notesSlide10.xml><?xml version="1.0" encoding="utf-8"?>
+<p:notes xmlns:a="http://schemas.openxmlformats.org/drawingml/2006/main" xmlns:r="http://schemas.openxmlformats.org/officeDocument/2006/relationships" xmlns:p="http://schemas.openxmlformats.org/presentationml/2006/main">
+  <p:cSld>
+    <p:spTree>
+      <p:nvGrpSpPr>
+        <p:cNvPr id="1" name=""/>
+        <p:cNvGrpSpPr/>
+        <p:nvPr/>
+      </p:nvGrpSpPr>
+      <p:grpSpPr>
+        <a:xfrm>
+          <a:off x="0" y="0"/>
+          <a:ext cx="0" cy="0"/>
+          <a:chOff x="0" y="0"/>
+          <a:chExt cx="0" cy="0"/>
+        </a:xfrm>
+      </p:grpSpPr>
+      <p:sp>
+        <p:nvSpPr>
+          <p:cNvPr id="2" name="Slide Image Placeholder 1"/>
+          <p:cNvSpPr>
+            <a:spLocks noGrp="1" noRot="1" noChangeAspect="1"/>
+          </p:cNvSpPr>
+          <p:nvPr>
+            <p:ph type="sldImg"/>
+          </p:nvPr>
+        </p:nvSpPr>
+        <p:spPr/>
+      </p:sp>
+      <p:sp>
+        <p:nvSpPr>
+          <p:cNvPr id="3" name="Notes Placeholder 2"/>
+          <p:cNvSpPr>
+            <a:spLocks noGrp="1"/>
+          </p:cNvSpPr>
+          <p:nvPr>
+            <p:ph type="body" idx="1"/>
+          </p:nvPr>
+        </p:nvSpPr>
+        <p:spPr/>
+        <p:txBody>
+          <a:bodyPr/>
+          <a:lstStyle/>
+          <a:p>
+            <a:r>
+              <a:rPr lang="en-US" smtClean="0"/>
+              <a:t>http://www.hadooptpoint.com/hadoop-hive-data-types-with-examples/</a:t>
+            </a:r>
+            <a:endParaRPr lang="en-US"/>
+          </a:p>
+        </p:txBody>
+      </p:sp>
+      <p:sp>
+        <p:nvSpPr>
+          <p:cNvPr id="4" name="Slide Number Placeholder 3"/>
+          <p:cNvSpPr>
+            <a:spLocks noGrp="1"/>
+          </p:cNvSpPr>
+          <p:nvPr>
+            <p:ph type="sldNum" sz="quarter" idx="10"/>
+          </p:nvPr>
+        </p:nvSpPr>
+        <p:spPr/>
+        <p:txBody>
+          <a:bodyPr/>
+          <a:lstStyle/>
+          <a:p>
+            <a:fld id="{300070EE-FEF5-4A53-92E1-B9B0204C207A}" type="slidenum">
+              <a:rPr lang="en-US" smtClean="0"/>
+              <a:t>13</a:t>
+            </a:fld>
+            <a:endParaRPr lang="en-US"/>
+          </a:p>
+        </p:txBody>
+      </p:sp>
+    </p:spTree>
+    <p:extLst>
+      <p:ext uri="{BB962C8B-B14F-4D97-AF65-F5344CB8AC3E}">
+        <p14:creationId xmlns:p14="http://schemas.microsoft.com/office/powerpoint/2010/main" val="2590429059"/>
+      </p:ext>
+    </p:extLst>
+  </p:cSld>
+  <p:clrMapOvr>
+    <a:masterClrMapping/>
+  </p:clrMapOvr>
+</p:notes>
+</file>
+
+<file path=ppt/notesSlides/notesSlide2.xml><?xml version="1.0" encoding="utf-8"?>
+<p:notes xmlns:a="http://schemas.openxmlformats.org/drawingml/2006/main" xmlns:r="http://schemas.openxmlformats.org/officeDocument/2006/relationships" xmlns:p="http://schemas.openxmlformats.org/presentationml/2006/main">
+  <p:cSld>
+    <p:spTree>
+      <p:nvGrpSpPr>
+        <p:cNvPr id="1" name=""/>
+        <p:cNvGrpSpPr/>
+        <p:nvPr/>
+      </p:nvGrpSpPr>
+      <p:grpSpPr>
+        <a:xfrm>
+          <a:off x="0" y="0"/>
+          <a:ext cx="0" cy="0"/>
+          <a:chOff x="0" y="0"/>
+          <a:chExt cx="0" cy="0"/>
+        </a:xfrm>
+      </p:grpSpPr>
+      <p:sp>
+        <p:nvSpPr>
+          <p:cNvPr id="2" name="Slide Image Placeholder 1"/>
+          <p:cNvSpPr>
+            <a:spLocks noGrp="1" noRot="1" noChangeAspect="1"/>
+          </p:cNvSpPr>
+          <p:nvPr>
+            <p:ph type="sldImg"/>
+          </p:nvPr>
+        </p:nvSpPr>
+        <p:spPr/>
+      </p:sp>
+      <p:sp>
+        <p:nvSpPr>
+          <p:cNvPr id="3" name="Notes Placeholder 2"/>
+          <p:cNvSpPr>
+            <a:spLocks noGrp="1"/>
+          </p:cNvSpPr>
+          <p:nvPr>
+            <p:ph type="body" idx="1"/>
+          </p:nvPr>
+        </p:nvSpPr>
+        <p:spPr/>
+        <p:txBody>
+          <a:bodyPr/>
+          <a:lstStyle/>
+          <a:p>
+            <a:r>
+              <a:rPr lang="en-US" smtClean="0"/>
+              <a:t>http://www.hadooptpoint.com/hadoop-hive-data-types-with-examples/</a:t>
+            </a:r>
+            <a:endParaRPr lang="en-US"/>
+          </a:p>
+        </p:txBody>
+      </p:sp>
+      <p:sp>
+        <p:nvSpPr>
+          <p:cNvPr id="4" name="Slide Number Placeholder 3"/>
+          <p:cNvSpPr>
+            <a:spLocks noGrp="1"/>
+          </p:cNvSpPr>
+          <p:nvPr>
+            <p:ph type="sldNum" sz="quarter" idx="10"/>
+          </p:nvPr>
+        </p:nvSpPr>
+        <p:spPr/>
+        <p:txBody>
+          <a:bodyPr/>
+          <a:lstStyle/>
+          <a:p>
+            <a:fld id="{300070EE-FEF5-4A53-92E1-B9B0204C207A}" type="slidenum">
+              <a:rPr lang="en-US" smtClean="0"/>
+              <a:t>5</a:t>
+            </a:fld>
+            <a:endParaRPr lang="en-US"/>
+          </a:p>
+        </p:txBody>
+      </p:sp>
+    </p:spTree>
+    <p:extLst>
+      <p:ext uri="{BB962C8B-B14F-4D97-AF65-F5344CB8AC3E}">
+        <p14:creationId xmlns:p14="http://schemas.microsoft.com/office/powerpoint/2010/main" val="1329703337"/>
+      </p:ext>
+    </p:extLst>
+  </p:cSld>
+  <p:clrMapOvr>
+    <a:masterClrMapping/>
+  </p:clrMapOvr>
+</p:notes>
+</file>
+
+<file path=ppt/notesSlides/notesSlide3.xml><?xml version="1.0" encoding="utf-8"?>
+<p:notes xmlns:a="http://schemas.openxmlformats.org/drawingml/2006/main" xmlns:r="http://schemas.openxmlformats.org/officeDocument/2006/relationships" xmlns:p="http://schemas.openxmlformats.org/presentationml/2006/main">
+  <p:cSld>
+    <p:spTree>
+      <p:nvGrpSpPr>
+        <p:cNvPr id="1" name=""/>
+        <p:cNvGrpSpPr/>
+        <p:nvPr/>
+      </p:nvGrpSpPr>
+      <p:grpSpPr>
+        <a:xfrm>
+          <a:off x="0" y="0"/>
+          <a:ext cx="0" cy="0"/>
+          <a:chOff x="0" y="0"/>
+          <a:chExt cx="0" cy="0"/>
+        </a:xfrm>
+      </p:grpSpPr>
+      <p:sp>
+        <p:nvSpPr>
+          <p:cNvPr id="2" name="Slide Image Placeholder 1"/>
+          <p:cNvSpPr>
+            <a:spLocks noGrp="1" noRot="1" noChangeAspect="1"/>
+          </p:cNvSpPr>
+          <p:nvPr>
+            <p:ph type="sldImg"/>
+          </p:nvPr>
+        </p:nvSpPr>
+        <p:spPr/>
+      </p:sp>
+      <p:sp>
+        <p:nvSpPr>
+          <p:cNvPr id="3" name="Notes Placeholder 2"/>
+          <p:cNvSpPr>
+            <a:spLocks noGrp="1"/>
+          </p:cNvSpPr>
+          <p:nvPr>
+            <p:ph type="body" idx="1"/>
+          </p:nvPr>
+        </p:nvSpPr>
+        <p:spPr/>
+        <p:txBody>
+          <a:bodyPr/>
+          <a:lstStyle/>
+          <a:p>
+            <a:r>
+              <a:rPr lang="en-US" smtClean="0"/>
+              <a:t>http://www.hadooptpoint.com/hadoop-hive-data-types-with-examples/</a:t>
+            </a:r>
+            <a:endParaRPr lang="en-US"/>
+          </a:p>
+        </p:txBody>
+      </p:sp>
+      <p:sp>
+        <p:nvSpPr>
+          <p:cNvPr id="4" name="Slide Number Placeholder 3"/>
+          <p:cNvSpPr>
+            <a:spLocks noGrp="1"/>
+          </p:cNvSpPr>
+          <p:nvPr>
+            <p:ph type="sldNum" sz="quarter" idx="10"/>
+          </p:nvPr>
+        </p:nvSpPr>
+        <p:spPr/>
+        <p:txBody>
+          <a:bodyPr/>
+          <a:lstStyle/>
+          <a:p>
+            <a:fld id="{300070EE-FEF5-4A53-92E1-B9B0204C207A}" type="slidenum">
+              <a:rPr lang="en-US" smtClean="0"/>
+              <a:t>6</a:t>
+            </a:fld>
+            <a:endParaRPr lang="en-US"/>
+          </a:p>
+        </p:txBody>
+      </p:sp>
+    </p:spTree>
+    <p:extLst>
+      <p:ext uri="{BB962C8B-B14F-4D97-AF65-F5344CB8AC3E}">
+        <p14:creationId xmlns:p14="http://schemas.microsoft.com/office/powerpoint/2010/main" val="2140635964"/>
+      </p:ext>
+    </p:extLst>
+  </p:cSld>
+  <p:clrMapOvr>
+    <a:masterClrMapping/>
+  </p:clrMapOvr>
+</p:notes>
+</file>
+
+<file path=ppt/notesSlides/notesSlide4.xml><?xml version="1.0" encoding="utf-8"?>
+<p:notes xmlns:a="http://schemas.openxmlformats.org/drawingml/2006/main" xmlns:r="http://schemas.openxmlformats.org/officeDocument/2006/relationships" xmlns:p="http://schemas.openxmlformats.org/presentationml/2006/main">
+  <p:cSld>
+    <p:spTree>
+      <p:nvGrpSpPr>
+        <p:cNvPr id="1" name=""/>
+        <p:cNvGrpSpPr/>
+        <p:nvPr/>
+      </p:nvGrpSpPr>
+      <p:grpSpPr>
+        <a:xfrm>
+          <a:off x="0" y="0"/>
+          <a:ext cx="0" cy="0"/>
+          <a:chOff x="0" y="0"/>
+          <a:chExt cx="0" cy="0"/>
+        </a:xfrm>
+      </p:grpSpPr>
+      <p:sp>
+        <p:nvSpPr>
+          <p:cNvPr id="2" name="Slide Image Placeholder 1"/>
+          <p:cNvSpPr>
+            <a:spLocks noGrp="1" noRot="1" noChangeAspect="1"/>
+          </p:cNvSpPr>
+          <p:nvPr>
+            <p:ph type="sldImg"/>
+          </p:nvPr>
+        </p:nvSpPr>
+        <p:spPr/>
+      </p:sp>
+      <p:sp>
+        <p:nvSpPr>
+          <p:cNvPr id="3" name="Notes Placeholder 2"/>
+          <p:cNvSpPr>
+            <a:spLocks noGrp="1"/>
+          </p:cNvSpPr>
+          <p:nvPr>
+            <p:ph type="body" idx="1"/>
+          </p:nvPr>
+        </p:nvSpPr>
+        <p:spPr/>
+        <p:txBody>
+          <a:bodyPr/>
+          <a:lstStyle/>
+          <a:p>
+            <a:r>
+              <a:rPr lang="en-US" smtClean="0"/>
+              <a:t>http://www.hadooptpoint.com/hadoop-hive-data-types-with-examples/</a:t>
+            </a:r>
+            <a:endParaRPr lang="en-US"/>
+          </a:p>
+        </p:txBody>
+      </p:sp>
+      <p:sp>
+        <p:nvSpPr>
+          <p:cNvPr id="4" name="Slide Number Placeholder 3"/>
+          <p:cNvSpPr>
+            <a:spLocks noGrp="1"/>
+          </p:cNvSpPr>
+          <p:nvPr>
+            <p:ph type="sldNum" sz="quarter" idx="10"/>
+          </p:nvPr>
+        </p:nvSpPr>
+        <p:spPr/>
+        <p:txBody>
+          <a:bodyPr/>
+          <a:lstStyle/>
+          <a:p>
+            <a:fld id="{300070EE-FEF5-4A53-92E1-B9B0204C207A}" type="slidenum">
+              <a:rPr lang="en-US" smtClean="0"/>
+              <a:t>7</a:t>
+            </a:fld>
+            <a:endParaRPr lang="en-US"/>
+          </a:p>
+        </p:txBody>
+      </p:sp>
+    </p:spTree>
+    <p:extLst>
+      <p:ext uri="{BB962C8B-B14F-4D97-AF65-F5344CB8AC3E}">
+        <p14:creationId xmlns:p14="http://schemas.microsoft.com/office/powerpoint/2010/main" val="167306705"/>
+      </p:ext>
+    </p:extLst>
+  </p:cSld>
+  <p:clrMapOvr>
+    <a:masterClrMapping/>
+  </p:clrMapOvr>
+</p:notes>
+</file>
+
+<file path=ppt/notesSlides/notesSlide5.xml><?xml version="1.0" encoding="utf-8"?>
+<p:notes xmlns:a="http://schemas.openxmlformats.org/drawingml/2006/main" xmlns:r="http://schemas.openxmlformats.org/officeDocument/2006/relationships" xmlns:p="http://schemas.openxmlformats.org/presentationml/2006/main">
+  <p:cSld>
+    <p:spTree>
+      <p:nvGrpSpPr>
+        <p:cNvPr id="1" name=""/>
+        <p:cNvGrpSpPr/>
+        <p:nvPr/>
+      </p:nvGrpSpPr>
+      <p:grpSpPr>
+        <a:xfrm>
+          <a:off x="0" y="0"/>
+          <a:ext cx="0" cy="0"/>
+          <a:chOff x="0" y="0"/>
+          <a:chExt cx="0" cy="0"/>
+        </a:xfrm>
+      </p:grpSpPr>
+      <p:sp>
+        <p:nvSpPr>
+          <p:cNvPr id="2" name="Slide Image Placeholder 1"/>
+          <p:cNvSpPr>
+            <a:spLocks noGrp="1" noRot="1" noChangeAspect="1"/>
+          </p:cNvSpPr>
+          <p:nvPr>
+            <p:ph type="sldImg"/>
+          </p:nvPr>
+        </p:nvSpPr>
+        <p:spPr/>
+      </p:sp>
+      <p:sp>
+        <p:nvSpPr>
+          <p:cNvPr id="3" name="Notes Placeholder 2"/>
+          <p:cNvSpPr>
+            <a:spLocks noGrp="1"/>
+          </p:cNvSpPr>
+          <p:nvPr>
+            <p:ph type="body" idx="1"/>
+          </p:nvPr>
+        </p:nvSpPr>
+        <p:spPr/>
+        <p:txBody>
+          <a:bodyPr/>
+          <a:lstStyle/>
+          <a:p>
+            <a:r>
+              <a:rPr lang="en-US" smtClean="0"/>
+              <a:t>http://www.hadooptpoint.com/hadoop-hive-data-types-with-examples/</a:t>
+            </a:r>
+            <a:endParaRPr lang="en-US"/>
+          </a:p>
+        </p:txBody>
+      </p:sp>
+      <p:sp>
+        <p:nvSpPr>
+          <p:cNvPr id="4" name="Slide Number Placeholder 3"/>
+          <p:cNvSpPr>
+            <a:spLocks noGrp="1"/>
+          </p:cNvSpPr>
+          <p:nvPr>
+            <p:ph type="sldNum" sz="quarter" idx="10"/>
+          </p:nvPr>
+        </p:nvSpPr>
+        <p:spPr/>
+        <p:txBody>
+          <a:bodyPr/>
+          <a:lstStyle/>
+          <a:p>
+            <a:fld id="{300070EE-FEF5-4A53-92E1-B9B0204C207A}" type="slidenum">
+              <a:rPr lang="en-US" smtClean="0"/>
+              <a:t>8</a:t>
+            </a:fld>
+            <a:endParaRPr lang="en-US"/>
+          </a:p>
+        </p:txBody>
+      </p:sp>
+    </p:spTree>
+    <p:extLst>
+      <p:ext uri="{BB962C8B-B14F-4D97-AF65-F5344CB8AC3E}">
+        <p14:creationId xmlns:p14="http://schemas.microsoft.com/office/powerpoint/2010/main" val="573913623"/>
+      </p:ext>
+    </p:extLst>
+  </p:cSld>
+  <p:clrMapOvr>
+    <a:masterClrMapping/>
+  </p:clrMapOvr>
+</p:notes>
+</file>
+
+<file path=ppt/notesSlides/notesSlide6.xml><?xml version="1.0" encoding="utf-8"?>
+<p:notes xmlns:a="http://schemas.openxmlformats.org/drawingml/2006/main" xmlns:r="http://schemas.openxmlformats.org/officeDocument/2006/relationships" xmlns:p="http://schemas.openxmlformats.org/presentationml/2006/main">
+  <p:cSld>
+    <p:spTree>
+      <p:nvGrpSpPr>
+        <p:cNvPr id="1" name=""/>
+        <p:cNvGrpSpPr/>
+        <p:nvPr/>
+      </p:nvGrpSpPr>
+      <p:grpSpPr>
+        <a:xfrm>
+          <a:off x="0" y="0"/>
+          <a:ext cx="0" cy="0"/>
+          <a:chOff x="0" y="0"/>
+          <a:chExt cx="0" cy="0"/>
+        </a:xfrm>
+      </p:grpSpPr>
+      <p:sp>
+        <p:nvSpPr>
+          <p:cNvPr id="2" name="Slide Image Placeholder 1"/>
+          <p:cNvSpPr>
+            <a:spLocks noGrp="1" noRot="1" noChangeAspect="1"/>
+          </p:cNvSpPr>
+          <p:nvPr>
+            <p:ph type="sldImg"/>
+          </p:nvPr>
+        </p:nvSpPr>
+        <p:spPr/>
+      </p:sp>
+      <p:sp>
+        <p:nvSpPr>
+          <p:cNvPr id="3" name="Notes Placeholder 2"/>
+          <p:cNvSpPr>
+            <a:spLocks noGrp="1"/>
+          </p:cNvSpPr>
+          <p:nvPr>
+            <p:ph type="body" idx="1"/>
+          </p:nvPr>
+        </p:nvSpPr>
+        <p:spPr/>
+        <p:txBody>
+          <a:bodyPr/>
+          <a:lstStyle/>
+          <a:p>
+            <a:r>
+              <a:rPr lang="en-US" smtClean="0"/>
+              <a:t>http://www.hadooptpoint.com/hadoop-hive-data-types-with-examples/</a:t>
+            </a:r>
+            <a:endParaRPr lang="en-US"/>
+          </a:p>
+        </p:txBody>
+      </p:sp>
+      <p:sp>
+        <p:nvSpPr>
+          <p:cNvPr id="4" name="Slide Number Placeholder 3"/>
+          <p:cNvSpPr>
+            <a:spLocks noGrp="1"/>
+          </p:cNvSpPr>
+          <p:nvPr>
+            <p:ph type="sldNum" sz="quarter" idx="10"/>
+          </p:nvPr>
+        </p:nvSpPr>
+        <p:spPr/>
+        <p:txBody>
+          <a:bodyPr/>
+          <a:lstStyle/>
+          <a:p>
+            <a:fld id="{300070EE-FEF5-4A53-92E1-B9B0204C207A}" type="slidenum">
+              <a:rPr lang="en-US" smtClean="0"/>
+              <a:t>9</a:t>
+            </a:fld>
+            <a:endParaRPr lang="en-US"/>
+          </a:p>
+        </p:txBody>
+      </p:sp>
+    </p:spTree>
+    <p:extLst>
+      <p:ext uri="{BB962C8B-B14F-4D97-AF65-F5344CB8AC3E}">
+        <p14:creationId xmlns:p14="http://schemas.microsoft.com/office/powerpoint/2010/main" val="3554530185"/>
+      </p:ext>
+    </p:extLst>
+  </p:cSld>
+  <p:clrMapOvr>
+    <a:masterClrMapping/>
+  </p:clrMapOvr>
+</p:notes>
+</file>
+
+<file path=ppt/notesSlides/notesSlide7.xml><?xml version="1.0" encoding="utf-8"?>
+<p:notes xmlns:a="http://schemas.openxmlformats.org/drawingml/2006/main" xmlns:r="http://schemas.openxmlformats.org/officeDocument/2006/relationships" xmlns:p="http://schemas.openxmlformats.org/presentationml/2006/main">
+  <p:cSld>
+    <p:spTree>
+      <p:nvGrpSpPr>
+        <p:cNvPr id="1" name=""/>
+        <p:cNvGrpSpPr/>
+        <p:nvPr/>
+      </p:nvGrpSpPr>
+      <p:grpSpPr>
+        <a:xfrm>
+          <a:off x="0" y="0"/>
+          <a:ext cx="0" cy="0"/>
+          <a:chOff x="0" y="0"/>
+          <a:chExt cx="0" cy="0"/>
+        </a:xfrm>
+      </p:grpSpPr>
+      <p:sp>
+        <p:nvSpPr>
+          <p:cNvPr id="2" name="Slide Image Placeholder 1"/>
+          <p:cNvSpPr>
+            <a:spLocks noGrp="1" noRot="1" noChangeAspect="1"/>
+          </p:cNvSpPr>
+          <p:nvPr>
+            <p:ph type="sldImg"/>
+          </p:nvPr>
+        </p:nvSpPr>
+        <p:spPr/>
+      </p:sp>
+      <p:sp>
+        <p:nvSpPr>
+          <p:cNvPr id="3" name="Notes Placeholder 2"/>
+          <p:cNvSpPr>
+            <a:spLocks noGrp="1"/>
+          </p:cNvSpPr>
+          <p:nvPr>
+            <p:ph type="body" idx="1"/>
+          </p:nvPr>
+        </p:nvSpPr>
+        <p:spPr/>
+        <p:txBody>
+          <a:bodyPr/>
+          <a:lstStyle/>
+          <a:p>
+            <a:r>
+              <a:rPr lang="en-US" smtClean="0"/>
+              <a:t>http://www.hadooptpoint.com/hadoop-hive-data-types-with-examples/</a:t>
+            </a:r>
+            <a:endParaRPr lang="en-US"/>
+          </a:p>
+        </p:txBody>
+      </p:sp>
+      <p:sp>
+        <p:nvSpPr>
+          <p:cNvPr id="4" name="Slide Number Placeholder 3"/>
+          <p:cNvSpPr>
+            <a:spLocks noGrp="1"/>
+          </p:cNvSpPr>
+          <p:nvPr>
+            <p:ph type="sldNum" sz="quarter" idx="10"/>
+          </p:nvPr>
+        </p:nvSpPr>
+        <p:spPr/>
+        <p:txBody>
+          <a:bodyPr/>
+          <a:lstStyle/>
+          <a:p>
+            <a:fld id="{300070EE-FEF5-4A53-92E1-B9B0204C207A}" type="slidenum">
+              <a:rPr lang="en-US" smtClean="0"/>
+              <a:t>10</a:t>
+            </a:fld>
+            <a:endParaRPr lang="en-US"/>
+          </a:p>
+        </p:txBody>
+      </p:sp>
+    </p:spTree>
+    <p:extLst>
+      <p:ext uri="{BB962C8B-B14F-4D97-AF65-F5344CB8AC3E}">
+        <p14:creationId xmlns:p14="http://schemas.microsoft.com/office/powerpoint/2010/main" val="2680855462"/>
+      </p:ext>
+    </p:extLst>
+  </p:cSld>
+  <p:clrMapOvr>
+    <a:masterClrMapping/>
+  </p:clrMapOvr>
+</p:notes>
+</file>
+
+<file path=ppt/notesSlides/notesSlide8.xml><?xml version="1.0" encoding="utf-8"?>
+<p:notes xmlns:a="http://schemas.openxmlformats.org/drawingml/2006/main" xmlns:r="http://schemas.openxmlformats.org/officeDocument/2006/relationships" xmlns:p="http://schemas.openxmlformats.org/presentationml/2006/main">
+  <p:cSld>
+    <p:spTree>
+      <p:nvGrpSpPr>
+        <p:cNvPr id="1" name=""/>
+        <p:cNvGrpSpPr/>
+        <p:nvPr/>
+      </p:nvGrpSpPr>
+      <p:grpSpPr>
+        <a:xfrm>
+          <a:off x="0" y="0"/>
+          <a:ext cx="0" cy="0"/>
+          <a:chOff x="0" y="0"/>
+          <a:chExt cx="0" cy="0"/>
+        </a:xfrm>
+      </p:grpSpPr>
+      <p:sp>
+        <p:nvSpPr>
+          <p:cNvPr id="2" name="Slide Image Placeholder 1"/>
+          <p:cNvSpPr>
+            <a:spLocks noGrp="1" noRot="1" noChangeAspect="1"/>
+          </p:cNvSpPr>
+          <p:nvPr>
+            <p:ph type="sldImg"/>
+          </p:nvPr>
+        </p:nvSpPr>
+        <p:spPr/>
+      </p:sp>
+      <p:sp>
+        <p:nvSpPr>
+          <p:cNvPr id="3" name="Notes Placeholder 2"/>
+          <p:cNvSpPr>
+            <a:spLocks noGrp="1"/>
+          </p:cNvSpPr>
+          <p:nvPr>
+            <p:ph type="body" idx="1"/>
+          </p:nvPr>
+        </p:nvSpPr>
+        <p:spPr/>
+        <p:txBody>
+          <a:bodyPr/>
+          <a:lstStyle/>
+          <a:p>
+            <a:r>
+              <a:rPr lang="en-US" smtClean="0"/>
+              <a:t>http://www.hadooptpoint.com/hadoop-hive-data-types-with-examples/</a:t>
+            </a:r>
+            <a:endParaRPr lang="en-US"/>
+          </a:p>
+        </p:txBody>
+      </p:sp>
+      <p:sp>
+        <p:nvSpPr>
+          <p:cNvPr id="4" name="Slide Number Placeholder 3"/>
+          <p:cNvSpPr>
+            <a:spLocks noGrp="1"/>
+          </p:cNvSpPr>
+          <p:nvPr>
+            <p:ph type="sldNum" sz="quarter" idx="10"/>
+          </p:nvPr>
+        </p:nvSpPr>
+        <p:spPr/>
+        <p:txBody>
+          <a:bodyPr/>
+          <a:lstStyle/>
+          <a:p>
+            <a:fld id="{300070EE-FEF5-4A53-92E1-B9B0204C207A}" type="slidenum">
+              <a:rPr lang="en-US" smtClean="0"/>
+              <a:t>11</a:t>
+            </a:fld>
+            <a:endParaRPr lang="en-US"/>
+          </a:p>
+        </p:txBody>
+      </p:sp>
+    </p:spTree>
+    <p:extLst>
+      <p:ext uri="{BB962C8B-B14F-4D97-AF65-F5344CB8AC3E}">
+        <p14:creationId xmlns:p14="http://schemas.microsoft.com/office/powerpoint/2010/main" val="2651690324"/>
+      </p:ext>
+    </p:extLst>
+  </p:cSld>
+  <p:clrMapOvr>
+    <a:masterClrMapping/>
+  </p:clrMapOvr>
+</p:notes>
+</file>
+
+<file path=ppt/notesSlides/notesSlide9.xml><?xml version="1.0" encoding="utf-8"?>
+<p:notes xmlns:a="http://schemas.openxmlformats.org/drawingml/2006/main" xmlns:r="http://schemas.openxmlformats.org/officeDocument/2006/relationships" xmlns:p="http://schemas.openxmlformats.org/presentationml/2006/main">
+  <p:cSld>
+    <p:spTree>
+      <p:nvGrpSpPr>
+        <p:cNvPr id="1" name=""/>
+        <p:cNvGrpSpPr/>
+        <p:nvPr/>
+      </p:nvGrpSpPr>
+      <p:grpSpPr>
+        <a:xfrm>
+          <a:off x="0" y="0"/>
+          <a:ext cx="0" cy="0"/>
+          <a:chOff x="0" y="0"/>
+          <a:chExt cx="0" cy="0"/>
+        </a:xfrm>
+      </p:grpSpPr>
+      <p:sp>
+        <p:nvSpPr>
+          <p:cNvPr id="2" name="Slide Image Placeholder 1"/>
+          <p:cNvSpPr>
+            <a:spLocks noGrp="1" noRot="1" noChangeAspect="1"/>
+          </p:cNvSpPr>
+          <p:nvPr>
+            <p:ph type="sldImg"/>
+          </p:nvPr>
+        </p:nvSpPr>
+        <p:spPr/>
+      </p:sp>
+      <p:sp>
+        <p:nvSpPr>
+          <p:cNvPr id="3" name="Notes Placeholder 2"/>
+          <p:cNvSpPr>
+            <a:spLocks noGrp="1"/>
+          </p:cNvSpPr>
+          <p:nvPr>
+            <p:ph type="body" idx="1"/>
+          </p:nvPr>
+        </p:nvSpPr>
+        <p:spPr/>
+        <p:txBody>
+          <a:bodyPr/>
+          <a:lstStyle/>
+          <a:p>
+            <a:r>
+              <a:rPr lang="en-US" smtClean="0"/>
+              <a:t>http://www.hadooptpoint.com/hadoop-hive-data-types-with-examples/</a:t>
+            </a:r>
+            <a:endParaRPr lang="en-US"/>
+          </a:p>
+        </p:txBody>
+      </p:sp>
+      <p:sp>
+        <p:nvSpPr>
+          <p:cNvPr id="4" name="Slide Number Placeholder 3"/>
+          <p:cNvSpPr>
+            <a:spLocks noGrp="1"/>
+          </p:cNvSpPr>
+          <p:nvPr>
+            <p:ph type="sldNum" sz="quarter" idx="10"/>
+          </p:nvPr>
+        </p:nvSpPr>
+        <p:spPr/>
+        <p:txBody>
+          <a:bodyPr/>
+          <a:lstStyle/>
+          <a:p>
+            <a:fld id="{300070EE-FEF5-4A53-92E1-B9B0204C207A}" type="slidenum">
+              <a:rPr lang="en-US" smtClean="0"/>
+              <a:t>12</a:t>
+            </a:fld>
+            <a:endParaRPr lang="en-US"/>
+          </a:p>
+        </p:txBody>
+      </p:sp>
+    </p:spTree>
+    <p:extLst>
+      <p:ext uri="{BB962C8B-B14F-4D97-AF65-F5344CB8AC3E}">
+        <p14:creationId xmlns:p14="http://schemas.microsoft.com/office/powerpoint/2010/main" val="253663056"/>
+      </p:ext>
+    </p:extLst>
+  </p:cSld>
+  <p:clrMapOvr>
+    <a:masterClrMapping/>
+  </p:clrMapOvr>
+</p:notes>
+</file>
+
 <file path=ppt/slideLayouts/slideLayout1.xml><?xml version="1.0" encoding="utf-8"?>
 <p:sldLayout xmlns:a="http://schemas.openxmlformats.org/drawingml/2006/main" xmlns:r="http://schemas.openxmlformats.org/officeDocument/2006/relationships" xmlns:p="http://schemas.openxmlformats.org/presentationml/2006/main" type="title" preserve="1">
   <p:cSld name="Title Slide">
@@ -597,7 +1488,7 @@
           <a:p>
             <a:fld id="{B5E240B9-DACE-479F-996F-EDA62489C86A}" type="datetimeFigureOut">
               <a:rPr lang="en-US" smtClean="0"/>
-              <a:t>3/14/2016</a:t>
+              <a:t>3/16/2016</a:t>
             </a:fld>
             <a:endParaRPr lang="en-US"/>
           </a:p>
@@ -767,7 +1658,7 @@
           <a:p>
             <a:fld id="{B5E240B9-DACE-479F-996F-EDA62489C86A}" type="datetimeFigureOut">
               <a:rPr lang="en-US" smtClean="0"/>
-              <a:t>3/14/2016</a:t>
+              <a:t>3/16/2016</a:t>
             </a:fld>
             <a:endParaRPr lang="en-US"/>
           </a:p>
@@ -947,7 +1838,7 @@
           <a:p>
             <a:fld id="{B5E240B9-DACE-479F-996F-EDA62489C86A}" type="datetimeFigureOut">
               <a:rPr lang="en-US" smtClean="0"/>
-              <a:t>3/14/2016</a:t>
+              <a:t>3/16/2016</a:t>
             </a:fld>
             <a:endParaRPr lang="en-US"/>
           </a:p>
@@ -1117,7 +2008,7 @@
           <a:p>
             <a:fld id="{B5E240B9-DACE-479F-996F-EDA62489C86A}" type="datetimeFigureOut">
               <a:rPr lang="en-US" smtClean="0"/>
-              <a:t>3/14/2016</a:t>
+              <a:t>3/16/2016</a:t>
             </a:fld>
             <a:endParaRPr lang="en-US"/>
           </a:p>
@@ -1363,7 +2254,7 @@
           <a:p>
             <a:fld id="{B5E240B9-DACE-479F-996F-EDA62489C86A}" type="datetimeFigureOut">
               <a:rPr lang="en-US" smtClean="0"/>
-              <a:t>3/14/2016</a:t>
+              <a:t>3/16/2016</a:t>
             </a:fld>
             <a:endParaRPr lang="en-US"/>
           </a:p>
@@ -1595,7 +2486,7 @@
           <a:p>
             <a:fld id="{B5E240B9-DACE-479F-996F-EDA62489C86A}" type="datetimeFigureOut">
               <a:rPr lang="en-US" smtClean="0"/>
-              <a:t>3/14/2016</a:t>
+              <a:t>3/16/2016</a:t>
             </a:fld>
             <a:endParaRPr lang="en-US"/>
           </a:p>
@@ -1962,7 +2853,7 @@
           <a:p>
             <a:fld id="{B5E240B9-DACE-479F-996F-EDA62489C86A}" type="datetimeFigureOut">
               <a:rPr lang="en-US" smtClean="0"/>
-              <a:t>3/14/2016</a:t>
+              <a:t>3/16/2016</a:t>
             </a:fld>
             <a:endParaRPr lang="en-US"/>
           </a:p>
@@ -2080,7 +2971,7 @@
           <a:p>
             <a:fld id="{B5E240B9-DACE-479F-996F-EDA62489C86A}" type="datetimeFigureOut">
               <a:rPr lang="en-US" smtClean="0"/>
-              <a:t>3/14/2016</a:t>
+              <a:t>3/16/2016</a:t>
             </a:fld>
             <a:endParaRPr lang="en-US"/>
           </a:p>
@@ -2175,7 +3066,7 @@
           <a:p>
             <a:fld id="{B5E240B9-DACE-479F-996F-EDA62489C86A}" type="datetimeFigureOut">
               <a:rPr lang="en-US" smtClean="0"/>
-              <a:t>3/14/2016</a:t>
+              <a:t>3/16/2016</a:t>
             </a:fld>
             <a:endParaRPr lang="en-US"/>
           </a:p>
@@ -2452,7 +3343,7 @@
           <a:p>
             <a:fld id="{B5E240B9-DACE-479F-996F-EDA62489C86A}" type="datetimeFigureOut">
               <a:rPr lang="en-US" smtClean="0"/>
-              <a:t>3/14/2016</a:t>
+              <a:t>3/16/2016</a:t>
             </a:fld>
             <a:endParaRPr lang="en-US"/>
           </a:p>
@@ -2705,7 +3596,7 @@
           <a:p>
             <a:fld id="{B5E240B9-DACE-479F-996F-EDA62489C86A}" type="datetimeFigureOut">
               <a:rPr lang="en-US" smtClean="0"/>
-              <a:t>3/14/2016</a:t>
+              <a:t>3/16/2016</a:t>
             </a:fld>
             <a:endParaRPr lang="en-US"/>
           </a:p>
@@ -2918,7 +3809,7 @@
           <a:p>
             <a:fld id="{B5E240B9-DACE-479F-996F-EDA62489C86A}" type="datetimeFigureOut">
               <a:rPr lang="en-US" smtClean="0"/>
-              <a:t>3/14/2016</a:t>
+              <a:t>3/16/2016</a:t>
             </a:fld>
             <a:endParaRPr lang="en-US"/>
           </a:p>
@@ -3378,6 +4269,1337 @@
 </p:sld>
 </file>
 
+<file path=ppt/slides/slide10.xml><?xml version="1.0" encoding="utf-8"?>
+<p:sld xmlns:a="http://schemas.openxmlformats.org/drawingml/2006/main" xmlns:r="http://schemas.openxmlformats.org/officeDocument/2006/relationships" xmlns:p="http://schemas.openxmlformats.org/presentationml/2006/main">
+  <p:cSld>
+    <p:spTree>
+      <p:nvGrpSpPr>
+        <p:cNvPr id="1" name=""/>
+        <p:cNvGrpSpPr/>
+        <p:nvPr/>
+      </p:nvGrpSpPr>
+      <p:grpSpPr>
+        <a:xfrm>
+          <a:off x="0" y="0"/>
+          <a:ext cx="0" cy="0"/>
+          <a:chOff x="0" y="0"/>
+          <a:chExt cx="0" cy="0"/>
+        </a:xfrm>
+      </p:grpSpPr>
+      <p:sp>
+        <p:nvSpPr>
+          <p:cNvPr id="2" name="Title 1"/>
+          <p:cNvSpPr>
+            <a:spLocks noGrp="1"/>
+          </p:cNvSpPr>
+          <p:nvPr>
+            <p:ph type="title"/>
+          </p:nvPr>
+        </p:nvSpPr>
+        <p:spPr>
+          <a:xfrm>
+            <a:off x="0" y="1"/>
+            <a:ext cx="12192000" cy="791570"/>
+          </a:xfrm>
+        </p:spPr>
+        <p:txBody>
+          <a:bodyPr>
+            <a:normAutofit/>
+          </a:bodyPr>
+          <a:lstStyle/>
+          <a:p>
+            <a:r>
+              <a:rPr lang="en-US" dirty="0" smtClean="0"/>
+              <a:t>How Data Values are encoded in </a:t>
+            </a:r>
+            <a:r>
+              <a:rPr lang="en-US" dirty="0"/>
+              <a:t>Text </a:t>
+            </a:r>
+            <a:r>
+              <a:rPr lang="en-US" dirty="0" smtClean="0"/>
+              <a:t>Files?</a:t>
+            </a:r>
+            <a:endParaRPr lang="en-US" dirty="0"/>
+          </a:p>
+        </p:txBody>
+      </p:sp>
+      <p:sp>
+        <p:nvSpPr>
+          <p:cNvPr id="3" name="Content Placeholder 2"/>
+          <p:cNvSpPr>
+            <a:spLocks noGrp="1"/>
+          </p:cNvSpPr>
+          <p:nvPr>
+            <p:ph idx="1"/>
+          </p:nvPr>
+        </p:nvSpPr>
+        <p:spPr>
+          <a:xfrm>
+            <a:off x="590550" y="791570"/>
+            <a:ext cx="11601450" cy="6066430"/>
+          </a:xfrm>
+        </p:spPr>
+        <p:txBody>
+          <a:bodyPr>
+            <a:normAutofit fontScale="85000" lnSpcReduction="20000"/>
+          </a:bodyPr>
+          <a:lstStyle/>
+          <a:p>
+            <a:pPr marL="457200" lvl="1" indent="0">
+              <a:buNone/>
+            </a:pPr>
+            <a:r>
+              <a:rPr lang="en-US" dirty="0"/>
+              <a:t>John Doe^A100000.0^AMary </a:t>
+            </a:r>
+            <a:r>
+              <a:rPr lang="en-US" dirty="0" err="1"/>
+              <a:t>Smith^BTodd</a:t>
+            </a:r>
+            <a:r>
+              <a:rPr lang="en-US" dirty="0"/>
+              <a:t> </a:t>
+            </a:r>
+            <a:r>
+              <a:rPr lang="en-US" dirty="0" err="1"/>
+              <a:t>Jones^AFederal</a:t>
+            </a:r>
+            <a:r>
+              <a:rPr lang="en-US" dirty="0"/>
+              <a:t> </a:t>
+            </a:r>
+            <a:r>
+              <a:rPr lang="en-US" dirty="0" smtClean="0"/>
+              <a:t>Taxes^C.2^BStateTaxes^C.05^BInsurance^C.1^A1 Michigan Ave</a:t>
+            </a:r>
+            <a:r>
+              <a:rPr lang="en-US" dirty="0"/>
+              <a:t>.^</a:t>
+            </a:r>
+            <a:r>
+              <a:rPr lang="en-US" dirty="0" smtClean="0"/>
+              <a:t>BChicago^BIL^B60600</a:t>
+            </a:r>
+          </a:p>
+          <a:p>
+            <a:pPr marL="457200" lvl="1" indent="0">
+              <a:buNone/>
+            </a:pPr>
+            <a:endParaRPr lang="en-US" dirty="0"/>
+          </a:p>
+          <a:p>
+            <a:pPr marL="457200" lvl="1" indent="0">
+              <a:buNone/>
+            </a:pPr>
+            <a:r>
+              <a:rPr lang="en-US" dirty="0"/>
+              <a:t>Mary Smith^A80000.0^ABill </a:t>
+            </a:r>
+            <a:r>
+              <a:rPr lang="en-US" dirty="0" err="1"/>
+              <a:t>King^AFederal</a:t>
+            </a:r>
+            <a:r>
+              <a:rPr lang="en-US" dirty="0"/>
+              <a:t> Taxes^C.2^BState </a:t>
+            </a:r>
+            <a:r>
+              <a:rPr lang="en-US" dirty="0" smtClean="0"/>
+              <a:t>Taxes^C.05^BInsurance^C.1^A100 </a:t>
+            </a:r>
+            <a:r>
+              <a:rPr lang="en-US" dirty="0"/>
+              <a:t>Ontario St.^</a:t>
+            </a:r>
+            <a:r>
+              <a:rPr lang="en-US" dirty="0" smtClean="0"/>
+              <a:t>BChicago^BIL^B60601</a:t>
+            </a:r>
+          </a:p>
+          <a:p>
+            <a:pPr marL="457200" lvl="1" indent="0">
+              <a:buNone/>
+            </a:pPr>
+            <a:endParaRPr lang="en-US" dirty="0"/>
+          </a:p>
+          <a:p>
+            <a:pPr marL="457200" lvl="1" indent="0">
+              <a:buNone/>
+            </a:pPr>
+            <a:r>
+              <a:rPr lang="en-US" dirty="0"/>
+              <a:t>Todd Jones^A70000.0^AFederal Taxes^C.15^BState </a:t>
+            </a:r>
+            <a:r>
+              <a:rPr lang="en-US" dirty="0" smtClean="0"/>
+              <a:t>Taxes^C.03^BInsurance^C.1^A200 </a:t>
+            </a:r>
+            <a:r>
+              <a:rPr lang="en-US" dirty="0"/>
+              <a:t>Chicago Ave.^</a:t>
+            </a:r>
+            <a:r>
+              <a:rPr lang="en-US" dirty="0" err="1"/>
+              <a:t>BOak</a:t>
+            </a:r>
+            <a:r>
+              <a:rPr lang="en-US" dirty="0"/>
+              <a:t> </a:t>
+            </a:r>
+            <a:r>
+              <a:rPr lang="en-US" dirty="0" smtClean="0"/>
+              <a:t>Park^BIL^B60700</a:t>
+            </a:r>
+          </a:p>
+          <a:p>
+            <a:pPr marL="457200" lvl="1" indent="0">
+              <a:buNone/>
+            </a:pPr>
+            <a:endParaRPr lang="en-US" dirty="0"/>
+          </a:p>
+          <a:p>
+            <a:pPr marL="457200" lvl="1" indent="0">
+              <a:buNone/>
+            </a:pPr>
+            <a:r>
+              <a:rPr lang="en-US" dirty="0"/>
+              <a:t>Bill King^A60000.0^AFederal Taxes^C.15^BState Taxes^C.03^BInsurance^C.</a:t>
+            </a:r>
+          </a:p>
+          <a:p>
+            <a:pPr marL="457200" lvl="1" indent="0">
+              <a:buNone/>
+            </a:pPr>
+            <a:r>
+              <a:rPr lang="en-US" dirty="0"/>
+              <a:t>1^A300 Obscure Dr.^</a:t>
+            </a:r>
+            <a:r>
+              <a:rPr lang="en-US" dirty="0" smtClean="0"/>
+              <a:t>BObscuria^BIL^B60100</a:t>
+            </a:r>
+          </a:p>
+          <a:p>
+            <a:pPr marL="457200" lvl="1" indent="0">
+              <a:buNone/>
+            </a:pPr>
+            <a:endParaRPr lang="en-US" u="sng" dirty="0"/>
+          </a:p>
+          <a:p>
+            <a:pPr>
+              <a:lnSpc>
+                <a:spcPct val="120000"/>
+              </a:lnSpc>
+            </a:pPr>
+            <a:r>
+              <a:rPr lang="en-US" dirty="0"/>
+              <a:t>John Doe is the name. 100000.0 is the salary. </a:t>
+            </a:r>
+            <a:endParaRPr lang="en-US" dirty="0" smtClean="0"/>
+          </a:p>
+          <a:p>
+            <a:pPr>
+              <a:lnSpc>
+                <a:spcPct val="120000"/>
+              </a:lnSpc>
+            </a:pPr>
+            <a:r>
+              <a:rPr lang="en-US" dirty="0" smtClean="0"/>
+              <a:t>Mary </a:t>
+            </a:r>
+            <a:r>
+              <a:rPr lang="en-US" dirty="0" err="1"/>
+              <a:t>Smith^BTodd</a:t>
+            </a:r>
+            <a:r>
+              <a:rPr lang="en-US" dirty="0"/>
+              <a:t> Jones are the subordinates “Mary Smith” and “Todd Jones.” </a:t>
+            </a:r>
+          </a:p>
+          <a:p>
+            <a:pPr>
+              <a:lnSpc>
+                <a:spcPct val="120000"/>
+              </a:lnSpc>
+            </a:pPr>
+            <a:r>
+              <a:rPr lang="en-US" dirty="0"/>
+              <a:t>Federal Taxes^C.2^BState Taxes^C.05^BInsurance^C.1 are the deductions, </a:t>
+            </a:r>
+            <a:r>
+              <a:rPr lang="en-US" dirty="0" smtClean="0"/>
+              <a:t>where 20</a:t>
+            </a:r>
+            <a:r>
+              <a:rPr lang="en-US" dirty="0"/>
+              <a:t>% is deducted for “Federal Taxes,” 5% is deducted for “State Taxes,” and 10</a:t>
+            </a:r>
+            <a:r>
+              <a:rPr lang="en-US" dirty="0" smtClean="0"/>
+              <a:t>% is </a:t>
+            </a:r>
+            <a:r>
+              <a:rPr lang="en-US" dirty="0"/>
+              <a:t>deducted for “Insurance.”</a:t>
+            </a:r>
+          </a:p>
+          <a:p>
+            <a:pPr>
+              <a:lnSpc>
+                <a:spcPct val="120000"/>
+              </a:lnSpc>
+            </a:pPr>
+            <a:r>
+              <a:rPr lang="en-US" dirty="0"/>
+              <a:t> 1 Michigan Ave.^BChicago^BIL^B60600 is the address, “1 Michigan Ave., Chicago,60600.”</a:t>
+            </a:r>
+          </a:p>
+        </p:txBody>
+      </p:sp>
+    </p:spTree>
+    <p:extLst>
+      <p:ext uri="{BB962C8B-B14F-4D97-AF65-F5344CB8AC3E}">
+        <p14:creationId xmlns:p14="http://schemas.microsoft.com/office/powerpoint/2010/main" val="4193561071"/>
+      </p:ext>
+    </p:extLst>
+  </p:cSld>
+  <p:clrMapOvr>
+    <a:masterClrMapping/>
+  </p:clrMapOvr>
+  <p:timing>
+    <p:tnLst>
+      <p:par>
+        <p:cTn id="1" dur="indefinite" restart="never" nodeType="tmRoot"/>
+      </p:par>
+    </p:tnLst>
+  </p:timing>
+</p:sld>
+</file>
+
+<file path=ppt/slides/slide11.xml><?xml version="1.0" encoding="utf-8"?>
+<p:sld xmlns:a="http://schemas.openxmlformats.org/drawingml/2006/main" xmlns:r="http://schemas.openxmlformats.org/officeDocument/2006/relationships" xmlns:p="http://schemas.openxmlformats.org/presentationml/2006/main">
+  <p:cSld>
+    <p:spTree>
+      <p:nvGrpSpPr>
+        <p:cNvPr id="1" name=""/>
+        <p:cNvGrpSpPr/>
+        <p:nvPr/>
+      </p:nvGrpSpPr>
+      <p:grpSpPr>
+        <a:xfrm>
+          <a:off x="0" y="0"/>
+          <a:ext cx="0" cy="0"/>
+          <a:chOff x="0" y="0"/>
+          <a:chExt cx="0" cy="0"/>
+        </a:xfrm>
+      </p:grpSpPr>
+      <p:sp>
+        <p:nvSpPr>
+          <p:cNvPr id="2" name="Title 1"/>
+          <p:cNvSpPr>
+            <a:spLocks noGrp="1"/>
+          </p:cNvSpPr>
+          <p:nvPr>
+            <p:ph type="title"/>
+          </p:nvPr>
+        </p:nvSpPr>
+        <p:spPr>
+          <a:xfrm>
+            <a:off x="0" y="1"/>
+            <a:ext cx="12192000" cy="791570"/>
+          </a:xfrm>
+        </p:spPr>
+        <p:txBody>
+          <a:bodyPr>
+            <a:normAutofit/>
+          </a:bodyPr>
+          <a:lstStyle/>
+          <a:p>
+            <a:r>
+              <a:rPr lang="en-US" dirty="0" smtClean="0"/>
+              <a:t>How Data Values are encoded in </a:t>
+            </a:r>
+            <a:r>
+              <a:rPr lang="en-US" dirty="0"/>
+              <a:t>Text </a:t>
+            </a:r>
+            <a:r>
+              <a:rPr lang="en-US" dirty="0" smtClean="0"/>
+              <a:t>Files?</a:t>
+            </a:r>
+            <a:endParaRPr lang="en-US" dirty="0"/>
+          </a:p>
+        </p:txBody>
+      </p:sp>
+      <p:sp>
+        <p:nvSpPr>
+          <p:cNvPr id="3" name="Content Placeholder 2"/>
+          <p:cNvSpPr>
+            <a:spLocks noGrp="1"/>
+          </p:cNvSpPr>
+          <p:nvPr>
+            <p:ph idx="1"/>
+          </p:nvPr>
+        </p:nvSpPr>
+        <p:spPr>
+          <a:xfrm>
+            <a:off x="590550" y="791570"/>
+            <a:ext cx="11601450" cy="6066430"/>
+          </a:xfrm>
+        </p:spPr>
+        <p:txBody>
+          <a:bodyPr>
+            <a:normAutofit fontScale="92500" lnSpcReduction="20000"/>
+          </a:bodyPr>
+          <a:lstStyle/>
+          <a:p>
+            <a:r>
+              <a:rPr lang="en-US" u="sng" dirty="0"/>
+              <a:t>You can override these default delimiters</a:t>
+            </a:r>
+            <a:r>
+              <a:rPr lang="en-US" dirty="0"/>
+              <a:t>. </a:t>
+            </a:r>
+            <a:endParaRPr lang="en-US" dirty="0" smtClean="0"/>
+          </a:p>
+          <a:p>
+            <a:r>
+              <a:rPr lang="en-US" dirty="0" smtClean="0"/>
+              <a:t>This is </a:t>
+            </a:r>
+            <a:r>
+              <a:rPr lang="en-US" dirty="0"/>
+              <a:t>necessary </a:t>
+            </a:r>
+            <a:r>
+              <a:rPr lang="en-US" b="1" dirty="0"/>
+              <a:t>if another </a:t>
+            </a:r>
+            <a:r>
+              <a:rPr lang="en-US" b="1" dirty="0" smtClean="0"/>
+              <a:t>application writes </a:t>
+            </a:r>
+            <a:r>
+              <a:rPr lang="en-US" b="1" dirty="0"/>
+              <a:t>the data using a different convention</a:t>
+            </a:r>
+            <a:r>
+              <a:rPr lang="en-US" b="1" dirty="0" smtClean="0"/>
+              <a:t>.</a:t>
+            </a:r>
+          </a:p>
+          <a:p>
+            <a:r>
+              <a:rPr lang="en-US" dirty="0"/>
+              <a:t>T</a:t>
+            </a:r>
+            <a:r>
+              <a:rPr lang="en-US" dirty="0" smtClean="0"/>
+              <a:t>able declaration with </a:t>
+            </a:r>
+            <a:r>
+              <a:rPr lang="en-US" dirty="0"/>
+              <a:t>all the format defaults explicitly </a:t>
+            </a:r>
+            <a:r>
+              <a:rPr lang="en-US" dirty="0" smtClean="0"/>
+              <a:t>specified:</a:t>
+            </a:r>
+            <a:endParaRPr lang="en-US" dirty="0"/>
+          </a:p>
+          <a:p>
+            <a:r>
+              <a:rPr lang="en-US" b="1" dirty="0" smtClean="0"/>
+              <a:t>CREATE </a:t>
+            </a:r>
+            <a:r>
+              <a:rPr lang="en-US" b="1" dirty="0"/>
+              <a:t>TABLE </a:t>
+            </a:r>
+            <a:r>
+              <a:rPr lang="en-US" dirty="0"/>
+              <a:t>employees (</a:t>
+            </a:r>
+          </a:p>
+          <a:p>
+            <a:pPr marL="457200" lvl="1" indent="0">
+              <a:buNone/>
+            </a:pPr>
+            <a:r>
+              <a:rPr lang="en-US" dirty="0" smtClean="0"/>
+              <a:t>name STRING, salary FLOAT, subordinates ARRAY&lt;STRING&gt;,</a:t>
+            </a:r>
+          </a:p>
+          <a:p>
+            <a:pPr marL="457200" lvl="1" indent="0">
+              <a:buNone/>
+            </a:pPr>
+            <a:r>
+              <a:rPr lang="en-US" dirty="0" smtClean="0"/>
+              <a:t>deductions </a:t>
+            </a:r>
+            <a:r>
+              <a:rPr lang="en-US" b="1" dirty="0" smtClean="0"/>
+              <a:t>MAP</a:t>
+            </a:r>
+            <a:r>
+              <a:rPr lang="en-US" dirty="0" smtClean="0"/>
+              <a:t>&lt;STRING, FLOAT&gt;,</a:t>
+            </a:r>
+          </a:p>
+          <a:p>
+            <a:pPr marL="457200" lvl="1" indent="0">
+              <a:buNone/>
+            </a:pPr>
+            <a:r>
+              <a:rPr lang="en-US" dirty="0" smtClean="0"/>
+              <a:t>address STRUCT&lt;</a:t>
+            </a:r>
+            <a:r>
+              <a:rPr lang="en-US" dirty="0" err="1" smtClean="0"/>
+              <a:t>street:STRING</a:t>
+            </a:r>
+            <a:r>
+              <a:rPr lang="en-US" dirty="0" smtClean="0"/>
+              <a:t>, </a:t>
+            </a:r>
+            <a:r>
+              <a:rPr lang="en-US" dirty="0" err="1" smtClean="0"/>
+              <a:t>city:STRING</a:t>
+            </a:r>
+            <a:r>
+              <a:rPr lang="en-US" dirty="0" smtClean="0"/>
+              <a:t>, </a:t>
+            </a:r>
+            <a:r>
+              <a:rPr lang="en-US" b="1" dirty="0" err="1" smtClean="0"/>
+              <a:t>state</a:t>
+            </a:r>
+            <a:r>
+              <a:rPr lang="en-US" dirty="0" err="1" smtClean="0"/>
+              <a:t>:STRING</a:t>
+            </a:r>
+            <a:r>
+              <a:rPr lang="en-US" dirty="0" smtClean="0"/>
+              <a:t>, </a:t>
+            </a:r>
+            <a:r>
+              <a:rPr lang="en-US" dirty="0" err="1" smtClean="0"/>
+              <a:t>zip:INT</a:t>
+            </a:r>
+            <a:r>
+              <a:rPr lang="en-US" dirty="0" smtClean="0"/>
+              <a:t>&gt; </a:t>
+            </a:r>
+          </a:p>
+          <a:p>
+            <a:pPr marL="457200" lvl="1" indent="0">
+              <a:buNone/>
+            </a:pPr>
+            <a:r>
+              <a:rPr lang="en-US" dirty="0" smtClean="0"/>
+              <a:t>)</a:t>
+            </a:r>
+            <a:endParaRPr lang="en-US" dirty="0"/>
+          </a:p>
+          <a:p>
+            <a:pPr marL="457200" lvl="1" indent="0">
+              <a:buNone/>
+            </a:pPr>
+            <a:r>
+              <a:rPr lang="en-US" b="1" dirty="0"/>
+              <a:t>ROW </a:t>
+            </a:r>
+            <a:r>
+              <a:rPr lang="en-US" dirty="0"/>
+              <a:t>FORMAT DELIMITED</a:t>
+            </a:r>
+          </a:p>
+          <a:p>
+            <a:pPr marL="457200" lvl="1" indent="0">
+              <a:buNone/>
+            </a:pPr>
+            <a:r>
+              <a:rPr lang="en-US" dirty="0"/>
+              <a:t>FIELDS TERMINATED </a:t>
+            </a:r>
+            <a:r>
+              <a:rPr lang="en-US" b="1" dirty="0"/>
+              <a:t>BY </a:t>
+            </a:r>
+            <a:r>
+              <a:rPr lang="en-US" dirty="0"/>
+              <a:t>'\001'</a:t>
+            </a:r>
+          </a:p>
+          <a:p>
+            <a:pPr marL="457200" lvl="1" indent="0">
+              <a:buNone/>
+            </a:pPr>
+            <a:r>
+              <a:rPr lang="en-US" dirty="0"/>
+              <a:t>COLLECTION ITEMS TERMINATED </a:t>
+            </a:r>
+            <a:r>
+              <a:rPr lang="en-US" b="1" dirty="0"/>
+              <a:t>BY </a:t>
+            </a:r>
+            <a:r>
+              <a:rPr lang="en-US" dirty="0"/>
+              <a:t>'\002'</a:t>
+            </a:r>
+          </a:p>
+          <a:p>
+            <a:pPr marL="457200" lvl="1" indent="0">
+              <a:buNone/>
+            </a:pPr>
+            <a:r>
+              <a:rPr lang="en-US" b="1" dirty="0"/>
+              <a:t>MAP </a:t>
+            </a:r>
+            <a:r>
+              <a:rPr lang="en-US" dirty="0"/>
+              <a:t>KEYS TERMINATED </a:t>
+            </a:r>
+            <a:r>
+              <a:rPr lang="en-US" b="1" dirty="0"/>
+              <a:t>BY </a:t>
+            </a:r>
+            <a:r>
+              <a:rPr lang="en-US" dirty="0"/>
+              <a:t>'\003'</a:t>
+            </a:r>
+          </a:p>
+          <a:p>
+            <a:pPr marL="457200" lvl="1" indent="0">
+              <a:buNone/>
+            </a:pPr>
+            <a:r>
+              <a:rPr lang="en-US" dirty="0"/>
+              <a:t>LINES TERMINATED </a:t>
+            </a:r>
+            <a:r>
+              <a:rPr lang="en-US" b="1" dirty="0"/>
+              <a:t>BY </a:t>
+            </a:r>
+            <a:r>
+              <a:rPr lang="en-US" dirty="0"/>
+              <a:t>'\n'</a:t>
+            </a:r>
+          </a:p>
+          <a:p>
+            <a:pPr marL="457200" lvl="1" indent="0">
+              <a:buNone/>
+            </a:pPr>
+            <a:r>
+              <a:rPr lang="en-US" dirty="0"/>
+              <a:t>STORED </a:t>
+            </a:r>
+            <a:r>
+              <a:rPr lang="en-US" b="1" dirty="0"/>
+              <a:t>AS </a:t>
+            </a:r>
+            <a:r>
+              <a:rPr lang="en-US" dirty="0"/>
+              <a:t>TEXTFILE</a:t>
+            </a:r>
+            <a:r>
+              <a:rPr lang="en-US" dirty="0" smtClean="0"/>
+              <a:t>;</a:t>
+            </a:r>
+            <a:endParaRPr lang="en-US" dirty="0"/>
+          </a:p>
+          <a:p>
+            <a:r>
+              <a:rPr lang="en-US" dirty="0"/>
+              <a:t>ROW FORMAT DELIMITED </a:t>
+            </a:r>
+            <a:r>
+              <a:rPr lang="en-US" dirty="0" smtClean="0"/>
+              <a:t>keyword </a:t>
+            </a:r>
+            <a:r>
+              <a:rPr lang="en-US" dirty="0"/>
+              <a:t>must appear before any of the </a:t>
+            </a:r>
+            <a:r>
+              <a:rPr lang="en-US" dirty="0" smtClean="0"/>
+              <a:t>other clauses</a:t>
+            </a:r>
+            <a:r>
+              <a:rPr lang="en-US" dirty="0"/>
+              <a:t>, </a:t>
+            </a:r>
+            <a:r>
+              <a:rPr lang="en-US" dirty="0" smtClean="0"/>
+              <a:t>(with exception </a:t>
+            </a:r>
+            <a:r>
+              <a:rPr lang="en-US" dirty="0"/>
+              <a:t>of the STORED AS … </a:t>
+            </a:r>
+            <a:r>
+              <a:rPr lang="en-US" dirty="0" smtClean="0"/>
+              <a:t>clause).</a:t>
+            </a:r>
+            <a:endParaRPr lang="en-US" dirty="0"/>
+          </a:p>
+        </p:txBody>
+      </p:sp>
+    </p:spTree>
+    <p:extLst>
+      <p:ext uri="{BB962C8B-B14F-4D97-AF65-F5344CB8AC3E}">
+        <p14:creationId xmlns:p14="http://schemas.microsoft.com/office/powerpoint/2010/main" val="4148722060"/>
+      </p:ext>
+    </p:extLst>
+  </p:cSld>
+  <p:clrMapOvr>
+    <a:masterClrMapping/>
+  </p:clrMapOvr>
+  <p:timing>
+    <p:tnLst>
+      <p:par>
+        <p:cTn id="1" dur="indefinite" restart="never" nodeType="tmRoot"/>
+      </p:par>
+    </p:tnLst>
+  </p:timing>
+</p:sld>
+</file>
+
+<file path=ppt/slides/slide12.xml><?xml version="1.0" encoding="utf-8"?>
+<p:sld xmlns:a="http://schemas.openxmlformats.org/drawingml/2006/main" xmlns:r="http://schemas.openxmlformats.org/officeDocument/2006/relationships" xmlns:p="http://schemas.openxmlformats.org/presentationml/2006/main">
+  <p:cSld>
+    <p:spTree>
+      <p:nvGrpSpPr>
+        <p:cNvPr id="1" name=""/>
+        <p:cNvGrpSpPr/>
+        <p:nvPr/>
+      </p:nvGrpSpPr>
+      <p:grpSpPr>
+        <a:xfrm>
+          <a:off x="0" y="0"/>
+          <a:ext cx="0" cy="0"/>
+          <a:chOff x="0" y="0"/>
+          <a:chExt cx="0" cy="0"/>
+        </a:xfrm>
+      </p:grpSpPr>
+      <p:sp>
+        <p:nvSpPr>
+          <p:cNvPr id="2" name="Title 1"/>
+          <p:cNvSpPr>
+            <a:spLocks noGrp="1"/>
+          </p:cNvSpPr>
+          <p:nvPr>
+            <p:ph type="title"/>
+          </p:nvPr>
+        </p:nvSpPr>
+        <p:spPr>
+          <a:xfrm>
+            <a:off x="0" y="1"/>
+            <a:ext cx="12192000" cy="791570"/>
+          </a:xfrm>
+        </p:spPr>
+        <p:txBody>
+          <a:bodyPr>
+            <a:normAutofit/>
+          </a:bodyPr>
+          <a:lstStyle/>
+          <a:p>
+            <a:r>
+              <a:rPr lang="en-US" dirty="0" smtClean="0"/>
+              <a:t>How Data Values are encoded in </a:t>
+            </a:r>
+            <a:r>
+              <a:rPr lang="en-US" dirty="0"/>
+              <a:t>Text </a:t>
+            </a:r>
+            <a:r>
+              <a:rPr lang="en-US" dirty="0" smtClean="0"/>
+              <a:t>Files?</a:t>
+            </a:r>
+            <a:endParaRPr lang="en-US" dirty="0"/>
+          </a:p>
+        </p:txBody>
+      </p:sp>
+      <p:sp>
+        <p:nvSpPr>
+          <p:cNvPr id="3" name="Content Placeholder 2"/>
+          <p:cNvSpPr>
+            <a:spLocks noGrp="1"/>
+          </p:cNvSpPr>
+          <p:nvPr>
+            <p:ph idx="1"/>
+          </p:nvPr>
+        </p:nvSpPr>
+        <p:spPr>
+          <a:xfrm>
+            <a:off x="590550" y="791570"/>
+            <a:ext cx="11601450" cy="6066430"/>
+          </a:xfrm>
+        </p:spPr>
+        <p:txBody>
+          <a:bodyPr>
+            <a:normAutofit fontScale="92500" lnSpcReduction="10000"/>
+          </a:bodyPr>
+          <a:lstStyle/>
+          <a:p>
+            <a:r>
+              <a:rPr lang="en-US" dirty="0"/>
+              <a:t>ROW FORMAT DELIMITED </a:t>
+            </a:r>
+            <a:r>
+              <a:rPr lang="en-US" dirty="0" smtClean="0"/>
+              <a:t>FIELDS TERMINATED </a:t>
+            </a:r>
+            <a:r>
+              <a:rPr lang="en-US" dirty="0"/>
+              <a:t>BY '\001' means that Hive will use the ^A character to separate </a:t>
+            </a:r>
+            <a:r>
+              <a:rPr lang="en-US" i="1" dirty="0"/>
+              <a:t>fields</a:t>
+            </a:r>
+            <a:r>
+              <a:rPr lang="en-US" dirty="0" smtClean="0"/>
+              <a:t>.</a:t>
+            </a:r>
+          </a:p>
+          <a:p>
+            <a:r>
+              <a:rPr lang="en-US" dirty="0"/>
+              <a:t>ROW FORMAT </a:t>
+            </a:r>
+            <a:r>
+              <a:rPr lang="en-US" dirty="0" smtClean="0"/>
+              <a:t>DELIMITED COLLECTION </a:t>
+            </a:r>
+            <a:r>
+              <a:rPr lang="en-US" dirty="0"/>
+              <a:t>ITEMS TERMINATED BY '\002' means that Hive will use the ^B character </a:t>
+            </a:r>
+            <a:r>
+              <a:rPr lang="en-US" dirty="0" smtClean="0"/>
+              <a:t>to separate </a:t>
+            </a:r>
+            <a:r>
+              <a:rPr lang="en-US" i="1" dirty="0"/>
+              <a:t>collection items</a:t>
+            </a:r>
+            <a:r>
+              <a:rPr lang="en-US" dirty="0" smtClean="0"/>
+              <a:t>.</a:t>
+            </a:r>
+          </a:p>
+          <a:p>
+            <a:r>
+              <a:rPr lang="en-US" dirty="0"/>
+              <a:t>ROW FORMAT </a:t>
+            </a:r>
+            <a:r>
+              <a:rPr lang="en-US" dirty="0" smtClean="0"/>
+              <a:t>DELIMITED MAP </a:t>
+            </a:r>
+            <a:r>
+              <a:rPr lang="en-US" dirty="0"/>
+              <a:t>KEYS TERMINATED BY '\003' means that Hive will use the ^C character to </a:t>
+            </a:r>
+            <a:r>
+              <a:rPr lang="en-US" dirty="0" smtClean="0"/>
+              <a:t>separate map </a:t>
+            </a:r>
+            <a:r>
+              <a:rPr lang="en-US" i="1" dirty="0"/>
+              <a:t>keys </a:t>
+            </a:r>
+            <a:r>
+              <a:rPr lang="en-US" dirty="0"/>
+              <a:t>from </a:t>
+            </a:r>
+            <a:r>
+              <a:rPr lang="en-US" i="1" dirty="0"/>
+              <a:t>values</a:t>
+            </a:r>
+            <a:r>
+              <a:rPr lang="en-US" dirty="0" smtClean="0"/>
+              <a:t>.</a:t>
+            </a:r>
+          </a:p>
+          <a:p>
+            <a:r>
+              <a:rPr lang="en-US" dirty="0"/>
+              <a:t>LINES TERMINATED BY '…' and STORED AS </a:t>
+            </a:r>
+            <a:r>
+              <a:rPr lang="en-US" u="sng" dirty="0"/>
+              <a:t>… do not require </a:t>
+            </a:r>
+            <a:r>
+              <a:rPr lang="en-US" dirty="0"/>
+              <a:t>the ROW </a:t>
+            </a:r>
+            <a:r>
+              <a:rPr lang="en-US" dirty="0" smtClean="0"/>
+              <a:t>FORMAT DELIMITED </a:t>
+            </a:r>
+            <a:r>
+              <a:rPr lang="en-US" dirty="0"/>
+              <a:t>keywords</a:t>
+            </a:r>
+            <a:r>
+              <a:rPr lang="en-US" dirty="0" smtClean="0"/>
+              <a:t>.</a:t>
+            </a:r>
+          </a:p>
+          <a:p>
+            <a:r>
+              <a:rPr lang="en-US" dirty="0"/>
+              <a:t>Hive does not currently support any character for </a:t>
+            </a:r>
+            <a:r>
+              <a:rPr lang="en-US" dirty="0" smtClean="0"/>
+              <a:t>LINES TERMINATED </a:t>
+            </a:r>
+            <a:r>
+              <a:rPr lang="en-US" dirty="0"/>
+              <a:t>BY … </a:t>
+            </a:r>
+            <a:r>
+              <a:rPr lang="en-US" i="1" dirty="0"/>
+              <a:t>other than </a:t>
+            </a:r>
+            <a:r>
+              <a:rPr lang="en-US" dirty="0"/>
+              <a:t>'\n</a:t>
+            </a:r>
+            <a:r>
+              <a:rPr lang="en-US" dirty="0" smtClean="0"/>
+              <a:t>'. So this clause have limited use.</a:t>
+            </a:r>
+          </a:p>
+          <a:p>
+            <a:r>
+              <a:rPr lang="en-US" dirty="0" smtClean="0"/>
+              <a:t>You can use </a:t>
+            </a:r>
+            <a:r>
+              <a:rPr lang="en-US" dirty="0"/>
+              <a:t>the </a:t>
+            </a:r>
+            <a:r>
+              <a:rPr lang="en-US" dirty="0" smtClean="0"/>
+              <a:t>default text </a:t>
+            </a:r>
+            <a:r>
+              <a:rPr lang="en-US" dirty="0"/>
+              <a:t>file </a:t>
+            </a:r>
+            <a:r>
+              <a:rPr lang="en-US" dirty="0" smtClean="0"/>
+              <a:t>format, and still override </a:t>
+            </a:r>
+            <a:r>
+              <a:rPr lang="en-US" dirty="0"/>
+              <a:t>the field, collection, and key-value </a:t>
+            </a:r>
+            <a:r>
+              <a:rPr lang="en-US" dirty="0" smtClean="0"/>
+              <a:t>separators, so </a:t>
+            </a:r>
+            <a:r>
+              <a:rPr lang="en-US" dirty="0"/>
+              <a:t>STORED AS TEXTFILE is rarely </a:t>
+            </a:r>
+            <a:r>
+              <a:rPr lang="en-US" dirty="0" smtClean="0"/>
+              <a:t>used.</a:t>
+            </a:r>
+          </a:p>
+          <a:p>
+            <a:pPr lvl="1"/>
+            <a:r>
+              <a:rPr lang="en-US" dirty="0" smtClean="0"/>
+              <a:t>For CSV files, use </a:t>
+            </a:r>
+            <a:r>
+              <a:rPr lang="en-US" b="1" dirty="0" smtClean="0"/>
+              <a:t>ROW </a:t>
+            </a:r>
+            <a:r>
+              <a:rPr lang="en-US" dirty="0"/>
+              <a:t>FORMAT </a:t>
+            </a:r>
+            <a:r>
+              <a:rPr lang="en-US" dirty="0" smtClean="0"/>
+              <a:t>DELIMITED FIELDS </a:t>
+            </a:r>
+            <a:r>
+              <a:rPr lang="en-US" dirty="0"/>
+              <a:t>TERMINATED </a:t>
+            </a:r>
+            <a:r>
+              <a:rPr lang="en-US" b="1" dirty="0"/>
+              <a:t>BY </a:t>
+            </a:r>
+            <a:r>
+              <a:rPr lang="en-US" dirty="0" smtClean="0"/>
+              <a:t>',‘;</a:t>
+            </a:r>
+          </a:p>
+          <a:p>
+            <a:pPr lvl="1"/>
+            <a:r>
+              <a:rPr lang="en-US" dirty="0"/>
+              <a:t>For </a:t>
+            </a:r>
+            <a:r>
+              <a:rPr lang="en-US" dirty="0" smtClean="0"/>
+              <a:t>Tab delimited files</a:t>
+            </a:r>
+            <a:r>
+              <a:rPr lang="en-US" dirty="0"/>
+              <a:t>, use </a:t>
+            </a:r>
+            <a:r>
+              <a:rPr lang="en-US" b="1" dirty="0"/>
+              <a:t>ROW </a:t>
+            </a:r>
+            <a:r>
+              <a:rPr lang="en-US" dirty="0"/>
+              <a:t>FORMAT DELIMITED FIELDS TERMINATED </a:t>
+            </a:r>
+            <a:r>
+              <a:rPr lang="en-US" b="1" dirty="0"/>
+              <a:t>BY </a:t>
+            </a:r>
+            <a:r>
+              <a:rPr lang="en-US" dirty="0" smtClean="0"/>
+              <a:t>‘\t‘;</a:t>
+            </a:r>
+          </a:p>
+          <a:p>
+            <a:r>
+              <a:rPr lang="en-US" dirty="0"/>
+              <a:t>This powerful customization feature makes </a:t>
+            </a:r>
+            <a:r>
+              <a:rPr lang="en-US" dirty="0" smtClean="0"/>
+              <a:t>using Hive </a:t>
+            </a:r>
+            <a:r>
+              <a:rPr lang="en-US" dirty="0"/>
+              <a:t>with files </a:t>
+            </a:r>
+            <a:r>
+              <a:rPr lang="en-US" dirty="0" smtClean="0"/>
+              <a:t>created by </a:t>
+            </a:r>
+            <a:r>
+              <a:rPr lang="en-US" dirty="0"/>
+              <a:t>other tools and </a:t>
+            </a:r>
+            <a:r>
+              <a:rPr lang="en-US" dirty="0" smtClean="0"/>
+              <a:t>ETL </a:t>
+            </a:r>
+            <a:r>
+              <a:rPr lang="en-US" dirty="0"/>
+              <a:t>(extract, transform, and load) processes.</a:t>
+            </a:r>
+            <a:endParaRPr lang="en-US" dirty="0"/>
+          </a:p>
+        </p:txBody>
+      </p:sp>
+    </p:spTree>
+    <p:extLst>
+      <p:ext uri="{BB962C8B-B14F-4D97-AF65-F5344CB8AC3E}">
+        <p14:creationId xmlns:p14="http://schemas.microsoft.com/office/powerpoint/2010/main" val="739571355"/>
+      </p:ext>
+    </p:extLst>
+  </p:cSld>
+  <p:clrMapOvr>
+    <a:masterClrMapping/>
+  </p:clrMapOvr>
+  <p:timing>
+    <p:tnLst>
+      <p:par>
+        <p:cTn id="1" dur="indefinite" restart="never" nodeType="tmRoot"/>
+      </p:par>
+    </p:tnLst>
+  </p:timing>
+</p:sld>
+</file>
+
+<file path=ppt/slides/slide13.xml><?xml version="1.0" encoding="utf-8"?>
+<p:sld xmlns:a="http://schemas.openxmlformats.org/drawingml/2006/main" xmlns:r="http://schemas.openxmlformats.org/officeDocument/2006/relationships" xmlns:p="http://schemas.openxmlformats.org/presentationml/2006/main">
+  <p:cSld>
+    <p:spTree>
+      <p:nvGrpSpPr>
+        <p:cNvPr id="1" name=""/>
+        <p:cNvGrpSpPr/>
+        <p:nvPr/>
+      </p:nvGrpSpPr>
+      <p:grpSpPr>
+        <a:xfrm>
+          <a:off x="0" y="0"/>
+          <a:ext cx="0" cy="0"/>
+          <a:chOff x="0" y="0"/>
+          <a:chExt cx="0" cy="0"/>
+        </a:xfrm>
+      </p:grpSpPr>
+      <p:sp>
+        <p:nvSpPr>
+          <p:cNvPr id="2" name="Title 1"/>
+          <p:cNvSpPr>
+            <a:spLocks noGrp="1"/>
+          </p:cNvSpPr>
+          <p:nvPr>
+            <p:ph type="title"/>
+          </p:nvPr>
+        </p:nvSpPr>
+        <p:spPr>
+          <a:xfrm>
+            <a:off x="0" y="1"/>
+            <a:ext cx="12192000" cy="791570"/>
+          </a:xfrm>
+        </p:spPr>
+        <p:txBody>
+          <a:bodyPr>
+            <a:normAutofit/>
+          </a:bodyPr>
+          <a:lstStyle/>
+          <a:p>
+            <a:r>
+              <a:rPr lang="en-US" dirty="0" smtClean="0"/>
+              <a:t>Schema On Read:</a:t>
+            </a:r>
+            <a:endParaRPr lang="en-US" dirty="0"/>
+          </a:p>
+        </p:txBody>
+      </p:sp>
+      <p:sp>
+        <p:nvSpPr>
+          <p:cNvPr id="3" name="Content Placeholder 2"/>
+          <p:cNvSpPr>
+            <a:spLocks noGrp="1"/>
+          </p:cNvSpPr>
+          <p:nvPr>
+            <p:ph idx="1"/>
+          </p:nvPr>
+        </p:nvSpPr>
+        <p:spPr>
+          <a:xfrm>
+            <a:off x="590550" y="791570"/>
+            <a:ext cx="11601450" cy="6066430"/>
+          </a:xfrm>
+        </p:spPr>
+        <p:txBody>
+          <a:bodyPr>
+            <a:normAutofit fontScale="92500" lnSpcReduction="10000"/>
+          </a:bodyPr>
+          <a:lstStyle/>
+          <a:p>
+            <a:r>
+              <a:rPr lang="en-US" dirty="0" smtClean="0"/>
+              <a:t>While loading/updating data onto RDBMS, database acts as gatekeeper. It checks data types, constraints, integrity checks etc.</a:t>
+            </a:r>
+          </a:p>
+          <a:p>
+            <a:r>
+              <a:rPr lang="en-US" dirty="0" smtClean="0"/>
+              <a:t>The database </a:t>
+            </a:r>
+            <a:r>
+              <a:rPr lang="en-US" dirty="0"/>
+              <a:t>can enforce the schema as data is </a:t>
+            </a:r>
+            <a:r>
+              <a:rPr lang="en-US" i="1" dirty="0"/>
+              <a:t>written</a:t>
+            </a:r>
+            <a:r>
+              <a:rPr lang="en-US" dirty="0"/>
+              <a:t>. This </a:t>
+            </a:r>
+            <a:r>
+              <a:rPr lang="en-US" dirty="0" smtClean="0"/>
+              <a:t>is called </a:t>
+            </a:r>
+            <a:r>
+              <a:rPr lang="en-US" i="1" dirty="0"/>
+              <a:t>schema on write</a:t>
+            </a:r>
+            <a:r>
+              <a:rPr lang="en-US" dirty="0" smtClean="0"/>
+              <a:t>.</a:t>
+            </a:r>
+          </a:p>
+          <a:p>
+            <a:r>
+              <a:rPr lang="en-US" dirty="0"/>
+              <a:t>Hive has no such control over the underlying storage</a:t>
+            </a:r>
+            <a:r>
+              <a:rPr lang="en-US" dirty="0" smtClean="0"/>
+              <a:t>. The underlying Hive data can be created, modify and damage the data in many ways.</a:t>
+            </a:r>
+          </a:p>
+          <a:p>
+            <a:r>
+              <a:rPr lang="en-US" dirty="0"/>
+              <a:t>Hive can only </a:t>
+            </a:r>
+            <a:r>
+              <a:rPr lang="en-US" dirty="0" smtClean="0"/>
+              <a:t>enforce queries </a:t>
+            </a:r>
+            <a:r>
+              <a:rPr lang="en-US" dirty="0"/>
+              <a:t>on </a:t>
+            </a:r>
+            <a:r>
+              <a:rPr lang="en-US" i="1" dirty="0"/>
+              <a:t>read</a:t>
+            </a:r>
+            <a:r>
+              <a:rPr lang="en-US" dirty="0"/>
+              <a:t>. This is called </a:t>
+            </a:r>
+            <a:r>
+              <a:rPr lang="en-US" i="1" dirty="0"/>
+              <a:t>schema on read</a:t>
+            </a:r>
+            <a:r>
+              <a:rPr lang="en-US" dirty="0" smtClean="0"/>
+              <a:t>.</a:t>
+            </a:r>
+          </a:p>
+          <a:p>
+            <a:r>
+              <a:rPr lang="en-US" dirty="0"/>
+              <a:t>what </a:t>
+            </a:r>
+            <a:r>
+              <a:rPr lang="en-US" dirty="0" smtClean="0"/>
+              <a:t>happens when the schema </a:t>
+            </a:r>
+            <a:r>
+              <a:rPr lang="en-US" dirty="0"/>
+              <a:t>doesn’t match the file contents</a:t>
+            </a:r>
+            <a:r>
+              <a:rPr lang="en-US" dirty="0" smtClean="0"/>
+              <a:t>?</a:t>
+            </a:r>
+          </a:p>
+          <a:p>
+            <a:r>
+              <a:rPr lang="en-US" dirty="0"/>
+              <a:t>Hive does the best that it can </a:t>
+            </a:r>
+            <a:r>
+              <a:rPr lang="en-US" dirty="0" smtClean="0"/>
+              <a:t>to read </a:t>
+            </a:r>
+            <a:r>
+              <a:rPr lang="en-US" dirty="0"/>
+              <a:t>the data. </a:t>
+            </a:r>
+            <a:endParaRPr lang="en-US" dirty="0" smtClean="0"/>
+          </a:p>
+          <a:p>
+            <a:r>
+              <a:rPr lang="en-US" dirty="0" smtClean="0"/>
+              <a:t>You </a:t>
+            </a:r>
+            <a:r>
+              <a:rPr lang="en-US" dirty="0"/>
+              <a:t>will get lots of null values if there aren’t enough fields in each </a:t>
+            </a:r>
+            <a:r>
+              <a:rPr lang="en-US" dirty="0" smtClean="0"/>
+              <a:t>record to </a:t>
+            </a:r>
+            <a:r>
+              <a:rPr lang="en-US" dirty="0"/>
+              <a:t>match the schema</a:t>
+            </a:r>
+            <a:r>
+              <a:rPr lang="en-US" dirty="0" smtClean="0"/>
+              <a:t>.</a:t>
+            </a:r>
+          </a:p>
+          <a:p>
+            <a:r>
+              <a:rPr lang="en-US" dirty="0"/>
+              <a:t>If some fields are numbers and Hive encounters </a:t>
+            </a:r>
+            <a:r>
+              <a:rPr lang="en-US" dirty="0" smtClean="0"/>
+              <a:t>nonnumeric strings</a:t>
+            </a:r>
+            <a:r>
+              <a:rPr lang="en-US" dirty="0"/>
+              <a:t>, it will return nulls for those fields. </a:t>
+            </a:r>
+            <a:endParaRPr lang="en-US" dirty="0" smtClean="0"/>
+          </a:p>
+          <a:p>
+            <a:r>
+              <a:rPr lang="en-US" dirty="0" smtClean="0"/>
+              <a:t>Hive </a:t>
+            </a:r>
+            <a:r>
+              <a:rPr lang="en-US" dirty="0"/>
+              <a:t>tries to recover from </a:t>
+            </a:r>
+            <a:r>
+              <a:rPr lang="en-US" dirty="0" smtClean="0"/>
+              <a:t>all errors </a:t>
+            </a:r>
+            <a:r>
+              <a:rPr lang="en-US" dirty="0"/>
+              <a:t>as best it can</a:t>
+            </a:r>
+            <a:r>
+              <a:rPr lang="en-US" dirty="0" smtClean="0"/>
+              <a:t>.</a:t>
+            </a:r>
+          </a:p>
+          <a:p>
+            <a:r>
+              <a:rPr lang="en-US" b="1" dirty="0" smtClean="0"/>
+              <a:t>Interview questions - </a:t>
+            </a:r>
+            <a:r>
+              <a:rPr lang="en-US" dirty="0" smtClean="0"/>
+              <a:t>data accidentally written bad,(see questionnaire)</a:t>
+            </a:r>
+            <a:endParaRPr lang="en-US" b="1" dirty="0"/>
+          </a:p>
+        </p:txBody>
+      </p:sp>
+    </p:spTree>
+    <p:extLst>
+      <p:ext uri="{BB962C8B-B14F-4D97-AF65-F5344CB8AC3E}">
+        <p14:creationId xmlns:p14="http://schemas.microsoft.com/office/powerpoint/2010/main" val="2042205147"/>
+      </p:ext>
+    </p:extLst>
+  </p:cSld>
+  <p:clrMapOvr>
+    <a:masterClrMapping/>
+  </p:clrMapOvr>
+  <p:timing>
+    <p:tnLst>
+      <p:par>
+        <p:cTn id="1" dur="indefinite" restart="never" nodeType="tmRoot"/>
+      </p:par>
+    </p:tnLst>
+  </p:timing>
+</p:sld>
+</file>
+
 <file path=ppt/slides/slide2.xml><?xml version="1.0" encoding="utf-8"?>
 <p:sld xmlns:a="http://schemas.openxmlformats.org/drawingml/2006/main" xmlns:r="http://schemas.openxmlformats.org/officeDocument/2006/relationships" xmlns:p="http://schemas.openxmlformats.org/presentationml/2006/main">
   <p:cSld>
@@ -3415,6 +5637,10 @@
           <a:bodyPr/>
           <a:lstStyle/>
           <a:p>
+            <a:r>
+              <a:rPr lang="en-US" dirty="0" smtClean="0"/>
+              <a:t>Data Types and File Formats</a:t>
+            </a:r>
             <a:endParaRPr lang="en-US" dirty="0"/>
           </a:p>
         </p:txBody>
@@ -3436,8 +5662,142 @@
           </a:xfrm>
         </p:spPr>
         <p:txBody>
-          <a:bodyPr/>
-          <a:lstStyle/>
+          <a:bodyPr>
+            <a:normAutofit/>
+          </a:bodyPr>
+          <a:lstStyle/>
+          <a:p>
+            <a:r>
+              <a:rPr lang="en-US" dirty="0"/>
+              <a:t>Hive supports </a:t>
+            </a:r>
+            <a:r>
+              <a:rPr lang="en-US" u="sng" dirty="0"/>
+              <a:t>many</a:t>
+            </a:r>
+            <a:r>
+              <a:rPr lang="en-US" dirty="0"/>
+              <a:t> of the </a:t>
+            </a:r>
+            <a:r>
+              <a:rPr lang="en-US" i="1" dirty="0"/>
+              <a:t>primitive </a:t>
+            </a:r>
+            <a:r>
+              <a:rPr lang="en-US" dirty="0"/>
+              <a:t>data types </a:t>
+            </a:r>
+            <a:r>
+              <a:rPr lang="en-US" dirty="0" smtClean="0"/>
+              <a:t>that are available in relational databases.</a:t>
+            </a:r>
+          </a:p>
+          <a:p>
+            <a:r>
+              <a:rPr lang="en-US" dirty="0" smtClean="0"/>
+              <a:t>And Hive also supports </a:t>
+            </a:r>
+            <a:r>
+              <a:rPr lang="en-US" u="sng" dirty="0" smtClean="0"/>
+              <a:t>three </a:t>
+            </a:r>
+            <a:r>
+              <a:rPr lang="en-US" i="1" u="sng" dirty="0"/>
+              <a:t>collection </a:t>
+            </a:r>
+            <a:r>
+              <a:rPr lang="en-US" u="sng" dirty="0"/>
+              <a:t>data types</a:t>
+            </a:r>
+            <a:r>
+              <a:rPr lang="en-US" dirty="0"/>
+              <a:t> that are rarely found in relational </a:t>
+            </a:r>
+            <a:r>
+              <a:rPr lang="en-US" dirty="0" smtClean="0"/>
+              <a:t>databases.</a:t>
+            </a:r>
+            <a:endParaRPr lang="en-US" dirty="0"/>
+          </a:p>
+          <a:p>
+            <a:r>
+              <a:rPr lang="en-US" dirty="0" smtClean="0"/>
+              <a:t>We will discuss how these primitive and collection data types are represented in </a:t>
+            </a:r>
+            <a:r>
+              <a:rPr lang="en-US" b="1" dirty="0" smtClean="0"/>
+              <a:t>text files.</a:t>
+            </a:r>
+            <a:endParaRPr lang="en-US" dirty="0" smtClean="0"/>
+          </a:p>
+          <a:p>
+            <a:r>
+              <a:rPr lang="en-US" dirty="0" smtClean="0"/>
+              <a:t>What are the alternatives to text storage?</a:t>
+            </a:r>
+          </a:p>
+          <a:p>
+            <a:r>
+              <a:rPr lang="en-US" b="1" u="sng" dirty="0" smtClean="0"/>
+              <a:t>Primitive Data Types:</a:t>
+            </a:r>
+            <a:endParaRPr lang="en-US" u="sng" dirty="0" smtClean="0"/>
+          </a:p>
+          <a:p>
+            <a:pPr lvl="1"/>
+            <a:r>
+              <a:rPr lang="en-US" dirty="0"/>
+              <a:t>P</a:t>
+            </a:r>
+            <a:r>
+              <a:rPr lang="en-US" dirty="0" smtClean="0"/>
+              <a:t>rimitive </a:t>
+            </a:r>
+            <a:r>
+              <a:rPr lang="en-US" dirty="0"/>
+              <a:t>Data Types also divide into 4 types there are mentioned below</a:t>
+            </a:r>
+          </a:p>
+          <a:p>
+            <a:pPr marL="914400" lvl="1" indent="-457200">
+              <a:buFont typeface="+mj-lt"/>
+              <a:buAutoNum type="arabicPeriod"/>
+            </a:pPr>
+            <a:r>
+              <a:rPr lang="en-US" dirty="0"/>
+              <a:t>Numeric Data Type</a:t>
+            </a:r>
+          </a:p>
+          <a:p>
+            <a:pPr marL="914400" lvl="1" indent="-457200">
+              <a:buFont typeface="+mj-lt"/>
+              <a:buAutoNum type="arabicPeriod"/>
+            </a:pPr>
+            <a:r>
+              <a:rPr lang="en-US" dirty="0"/>
+              <a:t>String Data Type</a:t>
+            </a:r>
+          </a:p>
+          <a:p>
+            <a:pPr marL="914400" lvl="1" indent="-457200">
+              <a:buFont typeface="+mj-lt"/>
+              <a:buAutoNum type="arabicPeriod"/>
+            </a:pPr>
+            <a:r>
+              <a:rPr lang="en-US" dirty="0"/>
+              <a:t>Date/Time Data Type</a:t>
+            </a:r>
+          </a:p>
+          <a:p>
+            <a:pPr marL="914400" lvl="1" indent="-457200">
+              <a:buFont typeface="+mj-lt"/>
+              <a:buAutoNum type="arabicPeriod"/>
+            </a:pPr>
+            <a:r>
+              <a:rPr lang="en-US" dirty="0"/>
+              <a:t>Miscellaneous Data Type</a:t>
+            </a:r>
+          </a:p>
           <a:p>
             <a:pPr lvl="1"/>
             <a:endParaRPr lang="en-US" dirty="0"/>
@@ -3448,6 +5808,1879 @@
     <p:extLst>
       <p:ext uri="{BB962C8B-B14F-4D97-AF65-F5344CB8AC3E}">
         <p14:creationId xmlns:p14="http://schemas.microsoft.com/office/powerpoint/2010/main" val="442493964"/>
+      </p:ext>
+    </p:extLst>
+  </p:cSld>
+  <p:clrMapOvr>
+    <a:masterClrMapping/>
+  </p:clrMapOvr>
+  <p:timing>
+    <p:tnLst>
+      <p:par>
+        <p:cTn id="1" dur="indefinite" restart="never" nodeType="tmRoot"/>
+      </p:par>
+    </p:tnLst>
+  </p:timing>
+</p:sld>
+</file>
+
+<file path=ppt/slides/slide3.xml><?xml version="1.0" encoding="utf-8"?>
+<p:sld xmlns:a="http://schemas.openxmlformats.org/drawingml/2006/main" xmlns:r="http://schemas.openxmlformats.org/officeDocument/2006/relationships" xmlns:p="http://schemas.openxmlformats.org/presentationml/2006/main">
+  <p:cSld>
+    <p:spTree>
+      <p:nvGrpSpPr>
+        <p:cNvPr id="1" name=""/>
+        <p:cNvGrpSpPr/>
+        <p:nvPr/>
+      </p:nvGrpSpPr>
+      <p:grpSpPr>
+        <a:xfrm>
+          <a:off x="0" y="0"/>
+          <a:ext cx="0" cy="0"/>
+          <a:chOff x="0" y="0"/>
+          <a:chExt cx="0" cy="0"/>
+        </a:xfrm>
+      </p:grpSpPr>
+      <p:sp>
+        <p:nvSpPr>
+          <p:cNvPr id="2" name="Title 1"/>
+          <p:cNvSpPr>
+            <a:spLocks noGrp="1"/>
+          </p:cNvSpPr>
+          <p:nvPr>
+            <p:ph type="title"/>
+          </p:nvPr>
+        </p:nvSpPr>
+        <p:spPr>
+          <a:xfrm>
+            <a:off x="0" y="1"/>
+            <a:ext cx="12192000" cy="791570"/>
+          </a:xfrm>
+        </p:spPr>
+        <p:txBody>
+          <a:bodyPr/>
+          <a:lstStyle/>
+          <a:p>
+            <a:r>
+              <a:rPr lang="en-US" dirty="0" smtClean="0"/>
+              <a:t>Data Types and File Formats</a:t>
+            </a:r>
+            <a:endParaRPr lang="en-US" dirty="0"/>
+          </a:p>
+        </p:txBody>
+      </p:sp>
+      <p:sp>
+        <p:nvSpPr>
+          <p:cNvPr id="3" name="Content Placeholder 2"/>
+          <p:cNvSpPr>
+            <a:spLocks noGrp="1"/>
+          </p:cNvSpPr>
+          <p:nvPr>
+            <p:ph idx="1"/>
+          </p:nvPr>
+        </p:nvSpPr>
+        <p:spPr>
+          <a:xfrm>
+            <a:off x="590550" y="791570"/>
+            <a:ext cx="11601450" cy="6066430"/>
+          </a:xfrm>
+        </p:spPr>
+        <p:txBody>
+          <a:bodyPr>
+            <a:normAutofit/>
+          </a:bodyPr>
+          <a:lstStyle/>
+          <a:p>
+            <a:r>
+              <a:rPr lang="en-US" dirty="0"/>
+              <a:t>Numeric Data </a:t>
+            </a:r>
+            <a:r>
+              <a:rPr lang="en-US" dirty="0" smtClean="0"/>
+              <a:t>Type</a:t>
+            </a:r>
+          </a:p>
+          <a:p>
+            <a:pPr lvl="1"/>
+            <a:r>
+              <a:rPr lang="en-US" b="1" u="sng" dirty="0"/>
+              <a:t>Integral Data Types</a:t>
+            </a:r>
+            <a:r>
+              <a:rPr lang="en-US" u="sng" dirty="0"/>
+              <a:t> </a:t>
+            </a:r>
+            <a:endParaRPr lang="en-US" dirty="0"/>
+          </a:p>
+          <a:p>
+            <a:pPr lvl="1"/>
+            <a:r>
+              <a:rPr lang="en-US" dirty="0"/>
+              <a:t>TINYINT (This TINYINT is equal to Java’s BYTE data type)</a:t>
+            </a:r>
+          </a:p>
+          <a:p>
+            <a:pPr lvl="1"/>
+            <a:r>
+              <a:rPr lang="en-US" dirty="0"/>
+              <a:t>SMALLINT (This SMALLINT is equal to Java’s SHORT data type)</a:t>
+            </a:r>
+          </a:p>
+          <a:p>
+            <a:pPr lvl="1"/>
+            <a:r>
+              <a:rPr lang="en-US" dirty="0"/>
+              <a:t>INT (This INT is equal to Java’s INT data type)</a:t>
+            </a:r>
+          </a:p>
+          <a:p>
+            <a:pPr lvl="1"/>
+            <a:r>
+              <a:rPr lang="en-US" dirty="0"/>
+              <a:t>BIGINT (This </a:t>
+            </a:r>
+            <a:r>
+              <a:rPr lang="en-US" dirty="0" err="1"/>
+              <a:t>BIGINTis</a:t>
+            </a:r>
+            <a:r>
+              <a:rPr lang="en-US" dirty="0"/>
+              <a:t> equal to Java’s LONG data type)</a:t>
+            </a:r>
+          </a:p>
+          <a:p>
+            <a:pPr lvl="1"/>
+            <a:r>
+              <a:rPr lang="en-US" b="1" u="sng" dirty="0"/>
+              <a:t>Floating Data Types</a:t>
+            </a:r>
+            <a:endParaRPr lang="en-US" dirty="0"/>
+          </a:p>
+          <a:p>
+            <a:pPr lvl="1"/>
+            <a:r>
+              <a:rPr lang="en-US" dirty="0"/>
+              <a:t>FLOAT (This FLOAT is equal to Java’s FLOAT data type )</a:t>
+            </a:r>
+          </a:p>
+          <a:p>
+            <a:pPr lvl="1"/>
+            <a:r>
+              <a:rPr lang="en-US" dirty="0"/>
+              <a:t>DOUBLE (This DOUBLE is equal to Java’s DOUBLE data type)</a:t>
+            </a:r>
+          </a:p>
+          <a:p>
+            <a:pPr lvl="1"/>
+            <a:r>
+              <a:rPr lang="en-US" dirty="0"/>
+              <a:t>DECIMAL (This DECIMAL is equal to SQL’s DECIMAL data type)</a:t>
+            </a:r>
+          </a:p>
+          <a:p>
+            <a:r>
+              <a:rPr lang="en-US" dirty="0"/>
+              <a:t>String Data Types</a:t>
+            </a:r>
+          </a:p>
+          <a:p>
+            <a:pPr lvl="1"/>
+            <a:r>
+              <a:rPr lang="en-US" dirty="0" smtClean="0"/>
+              <a:t>STRING  - </a:t>
+            </a:r>
+            <a:r>
+              <a:rPr lang="en-US" dirty="0" err="1" smtClean="0"/>
+              <a:t>seq</a:t>
+            </a:r>
+            <a:r>
+              <a:rPr lang="en-US" dirty="0" smtClean="0"/>
+              <a:t> of characters enclosed in single or double quotes.</a:t>
+            </a:r>
+            <a:endParaRPr lang="en-US" dirty="0"/>
+          </a:p>
+          <a:p>
+            <a:pPr lvl="1"/>
+            <a:r>
+              <a:rPr lang="en-US" dirty="0" smtClean="0"/>
+              <a:t>VARCHAR – max length is specified in braces, max length 65355 bytes.</a:t>
+            </a:r>
+            <a:endParaRPr lang="en-US" dirty="0"/>
+          </a:p>
+          <a:p>
+            <a:pPr lvl="1"/>
+            <a:r>
+              <a:rPr lang="en-US" dirty="0" smtClean="0"/>
+              <a:t>CHAR – similar to </a:t>
+            </a:r>
+            <a:r>
+              <a:rPr lang="en-US" dirty="0" err="1" smtClean="0"/>
+              <a:t>sql</a:t>
+            </a:r>
+            <a:r>
+              <a:rPr lang="en-US" dirty="0" smtClean="0"/>
+              <a:t> CHAR, fixed length, shorter length padded with spaces, max 255.</a:t>
+            </a:r>
+            <a:endParaRPr lang="en-US" dirty="0"/>
+          </a:p>
+          <a:p>
+            <a:pPr lvl="1"/>
+            <a:endParaRPr lang="en-US" dirty="0"/>
+          </a:p>
+          <a:p>
+            <a:pPr lvl="1"/>
+            <a:endParaRPr lang="en-US" dirty="0"/>
+          </a:p>
+        </p:txBody>
+      </p:sp>
+    </p:spTree>
+    <p:extLst>
+      <p:ext uri="{BB962C8B-B14F-4D97-AF65-F5344CB8AC3E}">
+        <p14:creationId xmlns:p14="http://schemas.microsoft.com/office/powerpoint/2010/main" val="2495438217"/>
+      </p:ext>
+    </p:extLst>
+  </p:cSld>
+  <p:clrMapOvr>
+    <a:masterClrMapping/>
+  </p:clrMapOvr>
+  <p:timing>
+    <p:tnLst>
+      <p:par>
+        <p:cTn id="1" dur="indefinite" restart="never" nodeType="tmRoot"/>
+      </p:par>
+    </p:tnLst>
+  </p:timing>
+</p:sld>
+</file>
+
+<file path=ppt/slides/slide4.xml><?xml version="1.0" encoding="utf-8"?>
+<p:sld xmlns:a="http://schemas.openxmlformats.org/drawingml/2006/main" xmlns:r="http://schemas.openxmlformats.org/officeDocument/2006/relationships" xmlns:p="http://schemas.openxmlformats.org/presentationml/2006/main">
+  <p:cSld>
+    <p:spTree>
+      <p:nvGrpSpPr>
+        <p:cNvPr id="1" name=""/>
+        <p:cNvGrpSpPr/>
+        <p:nvPr/>
+      </p:nvGrpSpPr>
+      <p:grpSpPr>
+        <a:xfrm>
+          <a:off x="0" y="0"/>
+          <a:ext cx="0" cy="0"/>
+          <a:chOff x="0" y="0"/>
+          <a:chExt cx="0" cy="0"/>
+        </a:xfrm>
+      </p:grpSpPr>
+      <p:sp>
+        <p:nvSpPr>
+          <p:cNvPr id="2" name="Title 1"/>
+          <p:cNvSpPr>
+            <a:spLocks noGrp="1"/>
+          </p:cNvSpPr>
+          <p:nvPr>
+            <p:ph type="title"/>
+          </p:nvPr>
+        </p:nvSpPr>
+        <p:spPr>
+          <a:xfrm>
+            <a:off x="0" y="1"/>
+            <a:ext cx="12192000" cy="791570"/>
+          </a:xfrm>
+        </p:spPr>
+        <p:txBody>
+          <a:bodyPr/>
+          <a:lstStyle/>
+          <a:p>
+            <a:r>
+              <a:rPr lang="en-US" dirty="0" smtClean="0"/>
+              <a:t>Data Types and File Formats</a:t>
+            </a:r>
+            <a:endParaRPr lang="en-US" dirty="0"/>
+          </a:p>
+        </p:txBody>
+      </p:sp>
+      <p:sp>
+        <p:nvSpPr>
+          <p:cNvPr id="3" name="Content Placeholder 2"/>
+          <p:cNvSpPr>
+            <a:spLocks noGrp="1"/>
+          </p:cNvSpPr>
+          <p:nvPr>
+            <p:ph idx="1"/>
+          </p:nvPr>
+        </p:nvSpPr>
+        <p:spPr>
+          <a:xfrm>
+            <a:off x="590550" y="791570"/>
+            <a:ext cx="11601450" cy="6066430"/>
+          </a:xfrm>
+        </p:spPr>
+        <p:txBody>
+          <a:bodyPr>
+            <a:normAutofit/>
+          </a:bodyPr>
+          <a:lstStyle/>
+          <a:p>
+            <a:r>
+              <a:rPr lang="en-US" dirty="0"/>
+              <a:t>DATE/TIME Data Types</a:t>
+            </a:r>
+          </a:p>
+          <a:p>
+            <a:pPr lvl="1"/>
+            <a:r>
+              <a:rPr lang="en-US" dirty="0" smtClean="0"/>
+              <a:t>DATE - </a:t>
+            </a:r>
+            <a:r>
+              <a:rPr lang="en-US" dirty="0"/>
+              <a:t> YYYY-­MM-­</a:t>
+            </a:r>
+            <a:r>
+              <a:rPr lang="en-US" dirty="0" smtClean="0"/>
+              <a:t>DD  , </a:t>
+            </a:r>
+            <a:r>
+              <a:rPr lang="en-US" dirty="0"/>
+              <a:t>Date ranges allowed are 0000-­01-­01 to 9999-­12-­31</a:t>
+            </a:r>
+          </a:p>
+          <a:p>
+            <a:pPr lvl="1"/>
+            <a:r>
+              <a:rPr lang="en-US" dirty="0" smtClean="0"/>
+              <a:t>TIMESTAMP - </a:t>
+            </a:r>
+            <a:r>
+              <a:rPr lang="en-US" dirty="0" err="1"/>
+              <a:t>yyyy</a:t>
+            </a:r>
+            <a:r>
+              <a:rPr lang="en-US" dirty="0"/>
+              <a:t>-mm-</a:t>
+            </a:r>
+            <a:r>
+              <a:rPr lang="en-US" dirty="0" err="1"/>
+              <a:t>dd</a:t>
+            </a:r>
+            <a:r>
+              <a:rPr lang="en-US" dirty="0"/>
+              <a:t> </a:t>
+            </a:r>
+            <a:r>
+              <a:rPr lang="en-US" dirty="0" err="1"/>
+              <a:t>hh:mm:ss</a:t>
+            </a:r>
+            <a:r>
+              <a:rPr lang="en-US" dirty="0"/>
+              <a:t>[.f</a:t>
+            </a:r>
+            <a:r>
+              <a:rPr lang="en-US" dirty="0" smtClean="0"/>
+              <a:t>...].</a:t>
+            </a:r>
+          </a:p>
+          <a:p>
+            <a:r>
+              <a:rPr lang="en-US" dirty="0"/>
+              <a:t>Miscellaneous Types</a:t>
+            </a:r>
+          </a:p>
+          <a:p>
+            <a:pPr lvl="1"/>
+            <a:r>
+              <a:rPr lang="en-US" dirty="0" smtClean="0"/>
+              <a:t>BOOLEAN - </a:t>
+            </a:r>
+            <a:r>
+              <a:rPr lang="en-US" dirty="0"/>
+              <a:t> similar to Java’s BOOLEAN </a:t>
+            </a:r>
+            <a:r>
+              <a:rPr lang="en-US" dirty="0" err="1"/>
+              <a:t>types,it</a:t>
+            </a:r>
+            <a:r>
+              <a:rPr lang="en-US" dirty="0"/>
+              <a:t> can stores true or false values only</a:t>
+            </a:r>
+          </a:p>
+          <a:p>
+            <a:pPr lvl="1"/>
+            <a:r>
+              <a:rPr lang="en-US" dirty="0" smtClean="0"/>
+              <a:t>BINARY - </a:t>
+            </a:r>
+            <a:r>
+              <a:rPr lang="en-US" b="1" dirty="0"/>
+              <a:t>BINARY</a:t>
+            </a:r>
+            <a:r>
+              <a:rPr lang="en-US" dirty="0"/>
+              <a:t> is an array of Bytes and similar to VARBINARY </a:t>
+            </a:r>
+            <a:r>
+              <a:rPr lang="en-US" dirty="0" smtClean="0"/>
+              <a:t>unlike BLOBs, which are stored separately, BINARY stored within the record.</a:t>
+            </a:r>
+            <a:endParaRPr lang="en-US" dirty="0"/>
+          </a:p>
+          <a:p>
+            <a:r>
+              <a:rPr lang="en-US" u="sng" dirty="0"/>
+              <a:t>Implicit </a:t>
+            </a:r>
+            <a:r>
+              <a:rPr lang="en-US" u="sng" dirty="0" smtClean="0"/>
+              <a:t>Conversion: </a:t>
+            </a:r>
+            <a:r>
+              <a:rPr lang="en-US" dirty="0" smtClean="0"/>
+              <a:t>(b/n primitive data types)</a:t>
+            </a:r>
+            <a:endParaRPr lang="en-US" dirty="0"/>
+          </a:p>
+          <a:p>
+            <a:pPr lvl="1"/>
+            <a:r>
+              <a:rPr lang="en-US" dirty="0"/>
+              <a:t>TINYINT—&gt;SMALLINT–&gt;INT–&gt;BIGINT–&gt;FLOAT–&gt;</a:t>
+            </a:r>
+            <a:r>
+              <a:rPr lang="en-US" dirty="0" smtClean="0"/>
+              <a:t>DOUBLE</a:t>
+            </a:r>
+          </a:p>
+          <a:p>
+            <a:pPr lvl="1"/>
+            <a:r>
+              <a:rPr lang="en-US" dirty="0"/>
+              <a:t>Boolean &amp; Binary data types will not be  converted to any other data type implicitly.</a:t>
+            </a:r>
+          </a:p>
+          <a:p>
+            <a:r>
+              <a:rPr lang="en-US" u="sng" dirty="0" smtClean="0"/>
+              <a:t>Explicit </a:t>
+            </a:r>
+            <a:r>
+              <a:rPr lang="en-US" u="sng" dirty="0"/>
+              <a:t>Conversion: </a:t>
+            </a:r>
+            <a:r>
+              <a:rPr lang="en-US" dirty="0"/>
+              <a:t>(b/n primitive data types</a:t>
+            </a:r>
+            <a:r>
+              <a:rPr lang="en-US" dirty="0" smtClean="0"/>
+              <a:t>)</a:t>
+            </a:r>
+          </a:p>
+          <a:p>
+            <a:pPr lvl="1"/>
+            <a:r>
+              <a:rPr lang="en-US" dirty="0"/>
+              <a:t>Explicit type conversion can be done using the </a:t>
+            </a:r>
+            <a:r>
+              <a:rPr lang="en-US" b="1" u="sng" dirty="0"/>
+              <a:t>cast</a:t>
+            </a:r>
+            <a:r>
+              <a:rPr lang="en-US" dirty="0"/>
+              <a:t> operator only</a:t>
+            </a:r>
+            <a:r>
+              <a:rPr lang="en-US" dirty="0" smtClean="0"/>
+              <a:t>.</a:t>
+            </a:r>
+          </a:p>
+          <a:p>
+            <a:pPr lvl="1"/>
+            <a:r>
+              <a:rPr lang="en-US" dirty="0"/>
+              <a:t>CAST(‘500’ AS INT) will convert the string ‘500’ to the integer value 500. </a:t>
+            </a:r>
+          </a:p>
+          <a:p>
+            <a:endParaRPr lang="en-US" dirty="0"/>
+          </a:p>
+        </p:txBody>
+      </p:sp>
+    </p:spTree>
+    <p:extLst>
+      <p:ext uri="{BB962C8B-B14F-4D97-AF65-F5344CB8AC3E}">
+        <p14:creationId xmlns:p14="http://schemas.microsoft.com/office/powerpoint/2010/main" val="4051603355"/>
+      </p:ext>
+    </p:extLst>
+  </p:cSld>
+  <p:clrMapOvr>
+    <a:masterClrMapping/>
+  </p:clrMapOvr>
+  <p:timing>
+    <p:tnLst>
+      <p:par>
+        <p:cTn id="1" dur="indefinite" restart="never" nodeType="tmRoot"/>
+      </p:par>
+    </p:tnLst>
+  </p:timing>
+</p:sld>
+</file>
+
+<file path=ppt/slides/slide5.xml><?xml version="1.0" encoding="utf-8"?>
+<p:sld xmlns:a="http://schemas.openxmlformats.org/drawingml/2006/main" xmlns:r="http://schemas.openxmlformats.org/officeDocument/2006/relationships" xmlns:p="http://schemas.openxmlformats.org/presentationml/2006/main">
+  <p:cSld>
+    <p:spTree>
+      <p:nvGrpSpPr>
+        <p:cNvPr id="1" name=""/>
+        <p:cNvGrpSpPr/>
+        <p:nvPr/>
+      </p:nvGrpSpPr>
+      <p:grpSpPr>
+        <a:xfrm>
+          <a:off x="0" y="0"/>
+          <a:ext cx="0" cy="0"/>
+          <a:chOff x="0" y="0"/>
+          <a:chExt cx="0" cy="0"/>
+        </a:xfrm>
+      </p:grpSpPr>
+      <p:sp>
+        <p:nvSpPr>
+          <p:cNvPr id="2" name="Title 1"/>
+          <p:cNvSpPr>
+            <a:spLocks noGrp="1"/>
+          </p:cNvSpPr>
+          <p:nvPr>
+            <p:ph type="title"/>
+          </p:nvPr>
+        </p:nvSpPr>
+        <p:spPr>
+          <a:xfrm>
+            <a:off x="0" y="1"/>
+            <a:ext cx="12192000" cy="791570"/>
+          </a:xfrm>
+        </p:spPr>
+        <p:txBody>
+          <a:bodyPr/>
+          <a:lstStyle/>
+          <a:p>
+            <a:r>
+              <a:rPr lang="en-US" dirty="0" smtClean="0"/>
+              <a:t>Data Types and File Formats</a:t>
+            </a:r>
+            <a:endParaRPr lang="en-US" dirty="0"/>
+          </a:p>
+        </p:txBody>
+      </p:sp>
+      <p:sp>
+        <p:nvSpPr>
+          <p:cNvPr id="3" name="Content Placeholder 2"/>
+          <p:cNvSpPr>
+            <a:spLocks noGrp="1"/>
+          </p:cNvSpPr>
+          <p:nvPr>
+            <p:ph idx="1"/>
+          </p:nvPr>
+        </p:nvSpPr>
+        <p:spPr>
+          <a:xfrm>
+            <a:off x="590550" y="791570"/>
+            <a:ext cx="11601450" cy="6066430"/>
+          </a:xfrm>
+        </p:spPr>
+        <p:txBody>
+          <a:bodyPr>
+            <a:normAutofit fontScale="92500" lnSpcReduction="10000"/>
+          </a:bodyPr>
+          <a:lstStyle/>
+          <a:p>
+            <a:r>
+              <a:rPr lang="en-US" b="1" u="sng" dirty="0"/>
+              <a:t>Complex Data </a:t>
+            </a:r>
+            <a:r>
+              <a:rPr lang="en-US" b="1" u="sng" dirty="0" smtClean="0"/>
+              <a:t>Types:</a:t>
+            </a:r>
+          </a:p>
+          <a:p>
+            <a:r>
+              <a:rPr lang="en-US" dirty="0"/>
+              <a:t>Hive Presently supported 4 complex data </a:t>
+            </a:r>
+            <a:r>
+              <a:rPr lang="en-US" dirty="0" smtClean="0"/>
+              <a:t>types - </a:t>
+            </a:r>
+            <a:r>
+              <a:rPr lang="en-US" dirty="0"/>
+              <a:t>are not available in many relational database management systems.</a:t>
+            </a:r>
+          </a:p>
+          <a:p>
+            <a:pPr lvl="1"/>
+            <a:r>
+              <a:rPr lang="en-US" dirty="0"/>
+              <a:t>ARRAY</a:t>
+            </a:r>
+          </a:p>
+          <a:p>
+            <a:pPr lvl="1"/>
+            <a:r>
+              <a:rPr lang="en-US" dirty="0"/>
+              <a:t>MAP</a:t>
+            </a:r>
+          </a:p>
+          <a:p>
+            <a:pPr lvl="1"/>
+            <a:r>
+              <a:rPr lang="en-US" dirty="0"/>
+              <a:t>STRUCT</a:t>
+            </a:r>
+          </a:p>
+          <a:p>
+            <a:pPr lvl="1"/>
+            <a:r>
+              <a:rPr lang="en-US" dirty="0"/>
+              <a:t>UNIONTYPE</a:t>
+            </a:r>
+          </a:p>
+          <a:p>
+            <a:r>
+              <a:rPr lang="en-US" b="1" u="sng" dirty="0"/>
+              <a:t>ARRAY Data Type</a:t>
+            </a:r>
+            <a:endParaRPr lang="en-US" dirty="0"/>
+          </a:p>
+          <a:p>
+            <a:pPr lvl="1"/>
+            <a:r>
+              <a:rPr lang="en-US" dirty="0"/>
+              <a:t>Same as Array in </a:t>
+            </a:r>
+            <a:r>
+              <a:rPr lang="en-US" dirty="0" err="1"/>
+              <a:t>java,An</a:t>
+            </a:r>
+            <a:r>
+              <a:rPr lang="en-US" dirty="0"/>
+              <a:t> Ordered sequences of similar type elements that are index using zero-based integers</a:t>
+            </a:r>
+          </a:p>
+          <a:p>
+            <a:pPr lvl="1"/>
+            <a:r>
+              <a:rPr lang="en-US" dirty="0"/>
+              <a:t>Example                      array(‘John’, ‘Doe</a:t>
+            </a:r>
+            <a:r>
+              <a:rPr lang="en-US" dirty="0" smtClean="0"/>
+              <a:t>’)</a:t>
+            </a:r>
+            <a:endParaRPr lang="en-US" dirty="0"/>
+          </a:p>
+          <a:p>
+            <a:pPr lvl="1"/>
+            <a:r>
+              <a:rPr lang="en-US" dirty="0"/>
+              <a:t>The second value is accused by using array[1]</a:t>
+            </a:r>
+          </a:p>
+          <a:p>
+            <a:r>
+              <a:rPr lang="en-US" b="1" u="sng" dirty="0"/>
+              <a:t>MAP Data </a:t>
+            </a:r>
+            <a:r>
+              <a:rPr lang="en-US" b="1" u="sng" dirty="0" smtClean="0"/>
+              <a:t>Type</a:t>
+            </a:r>
+            <a:endParaRPr lang="en-US" u="sng" dirty="0"/>
+          </a:p>
+          <a:p>
+            <a:pPr lvl="1"/>
+            <a:r>
+              <a:rPr lang="en-US" dirty="0"/>
+              <a:t>Collection of key-value pairs. Fields are accessed using array notation of keys (e.g., [‘key’]).</a:t>
+            </a:r>
+          </a:p>
+          <a:p>
+            <a:pPr lvl="1"/>
+            <a:r>
+              <a:rPr lang="en-US" dirty="0" smtClean="0"/>
+              <a:t>Example                      </a:t>
+            </a:r>
+            <a:r>
+              <a:rPr lang="en-US" dirty="0"/>
+              <a:t>map(‘first’, ‘</a:t>
+            </a:r>
+            <a:r>
+              <a:rPr lang="en-US" dirty="0" err="1"/>
+              <a:t>John’,’last</a:t>
+            </a:r>
+            <a:r>
+              <a:rPr lang="en-US" dirty="0"/>
+              <a:t>’, ‘Doe’)</a:t>
+            </a:r>
+          </a:p>
+          <a:p>
+            <a:pPr lvl="1"/>
+            <a:r>
+              <a:rPr lang="en-US" dirty="0" smtClean="0"/>
+              <a:t>if </a:t>
+            </a:r>
+            <a:r>
+              <a:rPr lang="en-US" dirty="0"/>
+              <a:t>a column  name is of type MAP with </a:t>
+            </a:r>
+            <a:r>
+              <a:rPr lang="en-US" dirty="0" err="1"/>
+              <a:t>key→value</a:t>
+            </a:r>
+            <a:r>
+              <a:rPr lang="en-US" dirty="0"/>
+              <a:t> pairs  ‘</a:t>
+            </a:r>
+            <a:r>
+              <a:rPr lang="en-US" dirty="0" err="1"/>
+              <a:t>first’→’John</a:t>
+            </a:r>
+            <a:r>
+              <a:rPr lang="en-US" dirty="0"/>
+              <a:t>’ and ‘</a:t>
+            </a:r>
+            <a:r>
+              <a:rPr lang="en-US" dirty="0" err="1"/>
+              <a:t>last’→’Doe</a:t>
+            </a:r>
+            <a:r>
+              <a:rPr lang="en-US" dirty="0"/>
+              <a:t>’, then the last  name can be referenced using name[‘last</a:t>
+            </a:r>
+            <a:r>
+              <a:rPr lang="en-US" dirty="0" smtClean="0"/>
+              <a:t>’].</a:t>
+            </a:r>
+            <a:endParaRPr lang="en-US" dirty="0"/>
+          </a:p>
+        </p:txBody>
+      </p:sp>
+    </p:spTree>
+    <p:extLst>
+      <p:ext uri="{BB962C8B-B14F-4D97-AF65-F5344CB8AC3E}">
+        <p14:creationId xmlns:p14="http://schemas.microsoft.com/office/powerpoint/2010/main" val="1081632133"/>
+      </p:ext>
+    </p:extLst>
+  </p:cSld>
+  <p:clrMapOvr>
+    <a:masterClrMapping/>
+  </p:clrMapOvr>
+  <p:timing>
+    <p:tnLst>
+      <p:par>
+        <p:cTn id="1" dur="indefinite" restart="never" nodeType="tmRoot"/>
+      </p:par>
+    </p:tnLst>
+  </p:timing>
+</p:sld>
+</file>
+
+<file path=ppt/slides/slide6.xml><?xml version="1.0" encoding="utf-8"?>
+<p:sld xmlns:a="http://schemas.openxmlformats.org/drawingml/2006/main" xmlns:r="http://schemas.openxmlformats.org/officeDocument/2006/relationships" xmlns:p="http://schemas.openxmlformats.org/presentationml/2006/main">
+  <p:cSld>
+    <p:spTree>
+      <p:nvGrpSpPr>
+        <p:cNvPr id="1" name=""/>
+        <p:cNvGrpSpPr/>
+        <p:nvPr/>
+      </p:nvGrpSpPr>
+      <p:grpSpPr>
+        <a:xfrm>
+          <a:off x="0" y="0"/>
+          <a:ext cx="0" cy="0"/>
+          <a:chOff x="0" y="0"/>
+          <a:chExt cx="0" cy="0"/>
+        </a:xfrm>
+      </p:grpSpPr>
+      <p:sp>
+        <p:nvSpPr>
+          <p:cNvPr id="2" name="Title 1"/>
+          <p:cNvSpPr>
+            <a:spLocks noGrp="1"/>
+          </p:cNvSpPr>
+          <p:nvPr>
+            <p:ph type="title"/>
+          </p:nvPr>
+        </p:nvSpPr>
+        <p:spPr>
+          <a:xfrm>
+            <a:off x="0" y="1"/>
+            <a:ext cx="12192000" cy="791570"/>
+          </a:xfrm>
+        </p:spPr>
+        <p:txBody>
+          <a:bodyPr/>
+          <a:lstStyle/>
+          <a:p>
+            <a:r>
+              <a:rPr lang="en-US" dirty="0" smtClean="0"/>
+              <a:t>Data Types and File Formats</a:t>
+            </a:r>
+            <a:endParaRPr lang="en-US" dirty="0"/>
+          </a:p>
+        </p:txBody>
+      </p:sp>
+      <p:sp>
+        <p:nvSpPr>
+          <p:cNvPr id="3" name="Content Placeholder 2"/>
+          <p:cNvSpPr>
+            <a:spLocks noGrp="1"/>
+          </p:cNvSpPr>
+          <p:nvPr>
+            <p:ph idx="1"/>
+          </p:nvPr>
+        </p:nvSpPr>
+        <p:spPr>
+          <a:xfrm>
+            <a:off x="590550" y="791570"/>
+            <a:ext cx="11601450" cy="6066430"/>
+          </a:xfrm>
+        </p:spPr>
+        <p:txBody>
+          <a:bodyPr>
+            <a:normAutofit fontScale="92500"/>
+          </a:bodyPr>
+          <a:lstStyle/>
+          <a:p>
+            <a:r>
+              <a:rPr lang="en-US" b="1" u="sng" dirty="0"/>
+              <a:t>STRUCT Data Type</a:t>
+            </a:r>
+          </a:p>
+          <a:p>
+            <a:pPr lvl="1"/>
+            <a:r>
+              <a:rPr lang="en-US" dirty="0"/>
+              <a:t>It is similar to STRUCT in C language. It is a record type which encapsulates a set of named fields that can be any primitive data type. Elements in STRUCT type are accessed using the DOT (.) notation.</a:t>
+            </a:r>
+          </a:p>
+          <a:p>
+            <a:pPr lvl="1"/>
+            <a:r>
+              <a:rPr lang="en-US" dirty="0"/>
+              <a:t>Example – For a column c of type STRUCT {a INT; b INT} the a field is accessed by the expression </a:t>
+            </a:r>
+            <a:r>
+              <a:rPr lang="en-US" dirty="0" err="1"/>
+              <a:t>c.a</a:t>
+            </a:r>
+            <a:endParaRPr lang="en-US" dirty="0"/>
+          </a:p>
+          <a:p>
+            <a:r>
+              <a:rPr lang="en-US" b="1" u="sng" dirty="0"/>
+              <a:t>UNIONTYPE</a:t>
+            </a:r>
+          </a:p>
+          <a:p>
+            <a:pPr lvl="1"/>
+            <a:r>
+              <a:rPr lang="en-US" dirty="0"/>
+              <a:t>UNIONTYPE is collection of Heterogeneous data </a:t>
+            </a:r>
+            <a:r>
+              <a:rPr lang="en-US" dirty="0" err="1"/>
+              <a:t>types.It</a:t>
+            </a:r>
+            <a:r>
+              <a:rPr lang="en-US" dirty="0"/>
+              <a:t> is similar to Unions in C. At any point of time, an Union Type can hold any one (exactly one) data type from its specified data types</a:t>
+            </a:r>
+          </a:p>
+          <a:p>
+            <a:pPr lvl="1"/>
+            <a:r>
+              <a:rPr lang="en-US" dirty="0"/>
+              <a:t>Example  UNIONTYPE&lt;</a:t>
+            </a:r>
+            <a:r>
+              <a:rPr lang="en-US" dirty="0" err="1"/>
+              <a:t>int</a:t>
+            </a:r>
+            <a:r>
+              <a:rPr lang="en-US" dirty="0"/>
+              <a:t>, double, array&lt;string&gt;, </a:t>
+            </a:r>
+            <a:r>
+              <a:rPr lang="en-US" dirty="0" err="1"/>
+              <a:t>struct</a:t>
+            </a:r>
+            <a:r>
+              <a:rPr lang="en-US" dirty="0"/>
+              <a:t>&lt;</a:t>
+            </a:r>
+            <a:r>
+              <a:rPr lang="en-US" dirty="0" err="1"/>
+              <a:t>a:int,b:string</a:t>
+            </a:r>
+            <a:r>
+              <a:rPr lang="en-US" dirty="0" smtClean="0"/>
+              <a:t>&gt;&gt;</a:t>
+            </a:r>
+          </a:p>
+          <a:p>
+            <a:pPr lvl="1"/>
+            <a:endParaRPr lang="en-US" dirty="0"/>
+          </a:p>
+          <a:p>
+            <a:pPr lvl="1"/>
+            <a:r>
+              <a:rPr lang="en-US" dirty="0"/>
+              <a:t>CREATE TABLE </a:t>
+            </a:r>
+            <a:r>
+              <a:rPr lang="en-US" dirty="0" err="1"/>
+              <a:t>union_test</a:t>
+            </a:r>
+            <a:r>
+              <a:rPr lang="en-US" dirty="0"/>
+              <a:t>(foo UNIONTYPE&lt;</a:t>
+            </a:r>
+            <a:r>
+              <a:rPr lang="en-US" dirty="0" err="1"/>
+              <a:t>int</a:t>
+            </a:r>
+            <a:r>
+              <a:rPr lang="en-US" dirty="0"/>
+              <a:t>, double, array&lt;string&gt;, </a:t>
+            </a:r>
+            <a:r>
+              <a:rPr lang="en-US" dirty="0" err="1"/>
+              <a:t>struct</a:t>
+            </a:r>
+            <a:r>
+              <a:rPr lang="en-US" dirty="0"/>
+              <a:t>&lt;</a:t>
+            </a:r>
+            <a:r>
+              <a:rPr lang="en-US" dirty="0" err="1"/>
+              <a:t>a:int,b:string</a:t>
+            </a:r>
+            <a:r>
+              <a:rPr lang="en-US" dirty="0"/>
+              <a:t>&gt;&gt;);</a:t>
+            </a:r>
+          </a:p>
+          <a:p>
+            <a:pPr lvl="1"/>
+            <a:r>
+              <a:rPr lang="en-US" dirty="0"/>
+              <a:t>SELECT foo FROM </a:t>
+            </a:r>
+            <a:r>
+              <a:rPr lang="en-US" dirty="0" err="1"/>
+              <a:t>union_test</a:t>
+            </a:r>
+            <a:r>
+              <a:rPr lang="en-US" dirty="0"/>
+              <a:t>;</a:t>
+            </a:r>
+          </a:p>
+          <a:p>
+            <a:pPr lvl="1"/>
+            <a:r>
+              <a:rPr lang="en-US" dirty="0" smtClean="0"/>
+              <a:t> Below are one column values, just represented horizontally.</a:t>
+            </a:r>
+            <a:endParaRPr lang="en-US" dirty="0"/>
+          </a:p>
+          <a:p>
+            <a:pPr lvl="1"/>
+            <a:r>
+              <a:rPr lang="en-US" dirty="0"/>
+              <a:t>{0:1</a:t>
+            </a:r>
+            <a:r>
+              <a:rPr lang="en-US" dirty="0" smtClean="0"/>
+              <a:t>}    {</a:t>
+            </a:r>
+            <a:r>
+              <a:rPr lang="en-US" dirty="0"/>
+              <a:t>1:2.0</a:t>
+            </a:r>
+            <a:r>
+              <a:rPr lang="en-US" dirty="0" smtClean="0"/>
+              <a:t>}   {</a:t>
+            </a:r>
+            <a:r>
+              <a:rPr lang="en-US" dirty="0"/>
+              <a:t>2:["</a:t>
+            </a:r>
+            <a:r>
+              <a:rPr lang="en-US" dirty="0" err="1"/>
+              <a:t>three","four</a:t>
+            </a:r>
+            <a:r>
+              <a:rPr lang="en-US" dirty="0" smtClean="0"/>
+              <a:t>"]}   {</a:t>
+            </a:r>
+            <a:r>
+              <a:rPr lang="en-US" dirty="0"/>
+              <a:t>3:{"a":5,"b":"five</a:t>
+            </a:r>
+            <a:r>
+              <a:rPr lang="en-US" dirty="0" smtClean="0"/>
+              <a:t>"}}    {</a:t>
+            </a:r>
+            <a:r>
+              <a:rPr lang="en-US" dirty="0"/>
+              <a:t>2:["</a:t>
+            </a:r>
+            <a:r>
+              <a:rPr lang="en-US" dirty="0" err="1"/>
+              <a:t>six","seven</a:t>
+            </a:r>
+            <a:r>
+              <a:rPr lang="en-US" dirty="0"/>
+              <a:t>"]}</a:t>
+            </a:r>
+          </a:p>
+          <a:p>
+            <a:pPr lvl="1"/>
+            <a:r>
+              <a:rPr lang="en-US" dirty="0"/>
+              <a:t>{3:{"a":8,"b":"eight</a:t>
+            </a:r>
+            <a:r>
+              <a:rPr lang="en-US" dirty="0" smtClean="0"/>
+              <a:t>"}}     {</a:t>
+            </a:r>
+            <a:r>
+              <a:rPr lang="en-US" dirty="0"/>
+              <a:t>0:9</a:t>
+            </a:r>
+            <a:r>
+              <a:rPr lang="en-US" dirty="0" smtClean="0"/>
+              <a:t>}   {</a:t>
+            </a:r>
+            <a:r>
+              <a:rPr lang="en-US" dirty="0"/>
+              <a:t>1:10.0}</a:t>
+            </a:r>
+            <a:endParaRPr lang="en-US" dirty="0" smtClean="0"/>
+          </a:p>
+        </p:txBody>
+      </p:sp>
+    </p:spTree>
+    <p:extLst>
+      <p:ext uri="{BB962C8B-B14F-4D97-AF65-F5344CB8AC3E}">
+        <p14:creationId xmlns:p14="http://schemas.microsoft.com/office/powerpoint/2010/main" val="391159040"/>
+      </p:ext>
+    </p:extLst>
+  </p:cSld>
+  <p:clrMapOvr>
+    <a:masterClrMapping/>
+  </p:clrMapOvr>
+  <p:timing>
+    <p:tnLst>
+      <p:par>
+        <p:cTn id="1" dur="indefinite" restart="never" nodeType="tmRoot"/>
+      </p:par>
+    </p:tnLst>
+  </p:timing>
+</p:sld>
+</file>
+
+<file path=ppt/slides/slide7.xml><?xml version="1.0" encoding="utf-8"?>
+<p:sld xmlns:a="http://schemas.openxmlformats.org/drawingml/2006/main" xmlns:r="http://schemas.openxmlformats.org/officeDocument/2006/relationships" xmlns:p="http://schemas.openxmlformats.org/presentationml/2006/main">
+  <p:cSld>
+    <p:spTree>
+      <p:nvGrpSpPr>
+        <p:cNvPr id="1" name=""/>
+        <p:cNvGrpSpPr/>
+        <p:nvPr/>
+      </p:nvGrpSpPr>
+      <p:grpSpPr>
+        <a:xfrm>
+          <a:off x="0" y="0"/>
+          <a:ext cx="0" cy="0"/>
+          <a:chOff x="0" y="0"/>
+          <a:chExt cx="0" cy="0"/>
+        </a:xfrm>
+      </p:grpSpPr>
+      <p:sp>
+        <p:nvSpPr>
+          <p:cNvPr id="2" name="Title 1"/>
+          <p:cNvSpPr>
+            <a:spLocks noGrp="1"/>
+          </p:cNvSpPr>
+          <p:nvPr>
+            <p:ph type="title"/>
+          </p:nvPr>
+        </p:nvSpPr>
+        <p:spPr>
+          <a:xfrm>
+            <a:off x="0" y="1"/>
+            <a:ext cx="12192000" cy="791570"/>
+          </a:xfrm>
+        </p:spPr>
+        <p:txBody>
+          <a:bodyPr/>
+          <a:lstStyle/>
+          <a:p>
+            <a:r>
+              <a:rPr lang="en-US" dirty="0" smtClean="0"/>
+              <a:t>Data Types and File Formats</a:t>
+            </a:r>
+            <a:endParaRPr lang="en-US" dirty="0"/>
+          </a:p>
+        </p:txBody>
+      </p:sp>
+      <p:sp>
+        <p:nvSpPr>
+          <p:cNvPr id="3" name="Content Placeholder 2"/>
+          <p:cNvSpPr>
+            <a:spLocks noGrp="1"/>
+          </p:cNvSpPr>
+          <p:nvPr>
+            <p:ph idx="1"/>
+          </p:nvPr>
+        </p:nvSpPr>
+        <p:spPr>
+          <a:xfrm>
+            <a:off x="590550" y="791570"/>
+            <a:ext cx="11601450" cy="6066430"/>
+          </a:xfrm>
+        </p:spPr>
+        <p:txBody>
+          <a:bodyPr>
+            <a:normAutofit lnSpcReduction="10000"/>
+          </a:bodyPr>
+          <a:lstStyle/>
+          <a:p>
+            <a:r>
+              <a:rPr lang="en-US" dirty="0" smtClean="0"/>
+              <a:t>For Simple types, case of the type name is ignored.</a:t>
+            </a:r>
+          </a:p>
+          <a:p>
+            <a:r>
+              <a:rPr lang="en-US" dirty="0"/>
+              <a:t>Most relational databases don’t support such collection types, because using </a:t>
+            </a:r>
+            <a:r>
+              <a:rPr lang="en-US" dirty="0" smtClean="0"/>
+              <a:t>them tends </a:t>
+            </a:r>
+            <a:r>
+              <a:rPr lang="en-US" dirty="0"/>
+              <a:t>to break </a:t>
+            </a:r>
+            <a:r>
+              <a:rPr lang="en-US" i="1" dirty="0"/>
+              <a:t>normal form</a:t>
+            </a:r>
+            <a:r>
+              <a:rPr lang="en-US" dirty="0"/>
+              <a:t>. </a:t>
+            </a:r>
+            <a:endParaRPr lang="en-US" dirty="0" smtClean="0"/>
+          </a:p>
+          <a:p>
+            <a:pPr lvl="1"/>
+            <a:r>
+              <a:rPr lang="en-US" dirty="0" smtClean="0"/>
+              <a:t>For </a:t>
+            </a:r>
+            <a:r>
+              <a:rPr lang="en-US" dirty="0"/>
+              <a:t>example, in traditional data models, </a:t>
+            </a:r>
+            <a:r>
+              <a:rPr lang="en-US" dirty="0" err="1"/>
+              <a:t>structs</a:t>
+            </a:r>
+            <a:r>
+              <a:rPr lang="en-US" dirty="0"/>
+              <a:t> might </a:t>
+            </a:r>
+            <a:r>
+              <a:rPr lang="en-US" dirty="0" smtClean="0"/>
+              <a:t>be captured </a:t>
+            </a:r>
+            <a:r>
+              <a:rPr lang="en-US" dirty="0"/>
+              <a:t>in separate tables, with foreign key relations between the </a:t>
+            </a:r>
+            <a:r>
+              <a:rPr lang="en-US" dirty="0" smtClean="0"/>
+              <a:t>tables.</a:t>
+            </a:r>
+          </a:p>
+          <a:p>
+            <a:pPr lvl="1"/>
+            <a:r>
+              <a:rPr lang="en-US" dirty="0"/>
+              <a:t>A practical problem with breaking normal form is the greater risk of data </a:t>
+            </a:r>
+            <a:r>
+              <a:rPr lang="en-US" dirty="0" err="1" smtClean="0"/>
+              <a:t>duplication,leading</a:t>
+            </a:r>
+            <a:r>
+              <a:rPr lang="en-US" dirty="0" smtClean="0"/>
+              <a:t> </a:t>
+            </a:r>
+            <a:r>
+              <a:rPr lang="en-US" dirty="0"/>
+              <a:t>to unnecessary disk space consumption and potential data </a:t>
+            </a:r>
+            <a:r>
+              <a:rPr lang="en-US" dirty="0" smtClean="0"/>
+              <a:t>inconsistencies</a:t>
+            </a:r>
+            <a:r>
+              <a:rPr lang="en-US" dirty="0"/>
+              <a:t>, </a:t>
+            </a:r>
+            <a:r>
+              <a:rPr lang="en-US" dirty="0" smtClean="0"/>
+              <a:t>as duplicate </a:t>
+            </a:r>
+            <a:r>
+              <a:rPr lang="en-US" dirty="0"/>
+              <a:t>copies can grow out of sync as changes are made</a:t>
+            </a:r>
+            <a:r>
+              <a:rPr lang="en-US" dirty="0" smtClean="0"/>
+              <a:t>.</a:t>
+            </a:r>
+          </a:p>
+          <a:p>
+            <a:r>
+              <a:rPr lang="en-US" dirty="0"/>
+              <a:t>However, in </a:t>
+            </a:r>
+            <a:r>
+              <a:rPr lang="en-US" i="1" dirty="0"/>
+              <a:t>Big Data </a:t>
+            </a:r>
+            <a:r>
+              <a:rPr lang="en-US" dirty="0"/>
+              <a:t>systems, a benefit of sacrificing normal form is higher </a:t>
+            </a:r>
+            <a:r>
+              <a:rPr lang="en-US" dirty="0" smtClean="0"/>
+              <a:t>processing throughput.</a:t>
+            </a:r>
+          </a:p>
+          <a:p>
+            <a:pPr lvl="1"/>
+            <a:r>
+              <a:rPr lang="en-US" dirty="0"/>
+              <a:t>Scanning data off hard disks with minimal “head seeks” is essential </a:t>
+            </a:r>
+            <a:r>
+              <a:rPr lang="en-US" dirty="0" smtClean="0"/>
+              <a:t>when processing </a:t>
+            </a:r>
+            <a:r>
+              <a:rPr lang="en-US" dirty="0"/>
+              <a:t>terabytes to petabytes of data. Embedding collections in records makes </a:t>
+            </a:r>
+            <a:r>
+              <a:rPr lang="en-US" dirty="0" smtClean="0"/>
+              <a:t>retrieval faster </a:t>
+            </a:r>
+            <a:r>
+              <a:rPr lang="en-US" dirty="0"/>
+              <a:t>with minimal seeks</a:t>
+            </a:r>
+            <a:r>
+              <a:rPr lang="en-US" dirty="0" smtClean="0"/>
+              <a:t>.</a:t>
+            </a:r>
+          </a:p>
+          <a:p>
+            <a:r>
+              <a:rPr lang="en-US" dirty="0"/>
+              <a:t>Navigating each foreign key relationship </a:t>
+            </a:r>
+            <a:r>
+              <a:rPr lang="en-US" dirty="0" smtClean="0"/>
+              <a:t>requires seeking </a:t>
+            </a:r>
+            <a:r>
+              <a:rPr lang="en-US" dirty="0"/>
+              <a:t>across the disk, with significant performance overhead</a:t>
+            </a:r>
+            <a:r>
+              <a:rPr lang="en-US" dirty="0" smtClean="0"/>
+              <a:t>.</a:t>
+            </a:r>
+          </a:p>
+          <a:p>
+            <a:r>
+              <a:rPr lang="en-US" u="sng" dirty="0" smtClean="0"/>
+              <a:t>Note: </a:t>
+            </a:r>
+            <a:r>
+              <a:rPr lang="en-US" u="sng" dirty="0"/>
+              <a:t>Hive doesn’t have the concept of keys. However, you can index </a:t>
+            </a:r>
+            <a:r>
+              <a:rPr lang="en-US" u="sng" dirty="0" smtClean="0"/>
+              <a:t>tables.</a:t>
+            </a:r>
+          </a:p>
+        </p:txBody>
+      </p:sp>
+    </p:spTree>
+    <p:extLst>
+      <p:ext uri="{BB962C8B-B14F-4D97-AF65-F5344CB8AC3E}">
+        <p14:creationId xmlns:p14="http://schemas.microsoft.com/office/powerpoint/2010/main" val="4212734561"/>
+      </p:ext>
+    </p:extLst>
+  </p:cSld>
+  <p:clrMapOvr>
+    <a:masterClrMapping/>
+  </p:clrMapOvr>
+  <p:timing>
+    <p:tnLst>
+      <p:par>
+        <p:cTn id="1" dur="indefinite" restart="never" nodeType="tmRoot"/>
+      </p:par>
+    </p:tnLst>
+  </p:timing>
+</p:sld>
+</file>
+
+<file path=ppt/slides/slide8.xml><?xml version="1.0" encoding="utf-8"?>
+<p:sld xmlns:a="http://schemas.openxmlformats.org/drawingml/2006/main" xmlns:r="http://schemas.openxmlformats.org/officeDocument/2006/relationships" xmlns:p="http://schemas.openxmlformats.org/presentationml/2006/main">
+  <p:cSld>
+    <p:spTree>
+      <p:nvGrpSpPr>
+        <p:cNvPr id="1" name=""/>
+        <p:cNvGrpSpPr/>
+        <p:nvPr/>
+      </p:nvGrpSpPr>
+      <p:grpSpPr>
+        <a:xfrm>
+          <a:off x="0" y="0"/>
+          <a:ext cx="0" cy="0"/>
+          <a:chOff x="0" y="0"/>
+          <a:chExt cx="0" cy="0"/>
+        </a:xfrm>
+      </p:grpSpPr>
+      <p:sp>
+        <p:nvSpPr>
+          <p:cNvPr id="2" name="Title 1"/>
+          <p:cNvSpPr>
+            <a:spLocks noGrp="1"/>
+          </p:cNvSpPr>
+          <p:nvPr>
+            <p:ph type="title"/>
+          </p:nvPr>
+        </p:nvSpPr>
+        <p:spPr>
+          <a:xfrm>
+            <a:off x="0" y="1"/>
+            <a:ext cx="12192000" cy="791570"/>
+          </a:xfrm>
+        </p:spPr>
+        <p:txBody>
+          <a:bodyPr/>
+          <a:lstStyle/>
+          <a:p>
+            <a:r>
+              <a:rPr lang="en-US" dirty="0" smtClean="0"/>
+              <a:t>Data Types and File Formats</a:t>
+            </a:r>
+            <a:endParaRPr lang="en-US" dirty="0"/>
+          </a:p>
+        </p:txBody>
+      </p:sp>
+      <p:sp>
+        <p:nvSpPr>
+          <p:cNvPr id="3" name="Content Placeholder 2"/>
+          <p:cNvSpPr>
+            <a:spLocks noGrp="1"/>
+          </p:cNvSpPr>
+          <p:nvPr>
+            <p:ph idx="1"/>
+          </p:nvPr>
+        </p:nvSpPr>
+        <p:spPr>
+          <a:xfrm>
+            <a:off x="590550" y="791570"/>
+            <a:ext cx="11601450" cy="6066430"/>
+          </a:xfrm>
+        </p:spPr>
+        <p:txBody>
+          <a:bodyPr>
+            <a:normAutofit/>
+          </a:bodyPr>
+          <a:lstStyle/>
+          <a:p>
+            <a:r>
+              <a:rPr lang="en-US" dirty="0" smtClean="0"/>
+              <a:t>E.g. table creation script on how to use the data types:</a:t>
+            </a:r>
+          </a:p>
+          <a:p>
+            <a:pPr marL="457200" lvl="1" indent="0">
+              <a:buNone/>
+            </a:pPr>
+            <a:r>
+              <a:rPr lang="en-US" dirty="0" smtClean="0"/>
+              <a:t>CREATE </a:t>
+            </a:r>
+            <a:r>
+              <a:rPr lang="en-US" dirty="0"/>
+              <a:t>TABLE employees (</a:t>
+            </a:r>
+          </a:p>
+          <a:p>
+            <a:pPr marL="457200" lvl="1" indent="0">
+              <a:buNone/>
+            </a:pPr>
+            <a:r>
+              <a:rPr lang="en-US" dirty="0"/>
+              <a:t>name STRING,</a:t>
+            </a:r>
+          </a:p>
+          <a:p>
+            <a:pPr marL="457200" lvl="1" indent="0">
+              <a:buNone/>
+            </a:pPr>
+            <a:r>
+              <a:rPr lang="en-US" dirty="0"/>
+              <a:t>salary FLOAT,</a:t>
+            </a:r>
+          </a:p>
+          <a:p>
+            <a:pPr marL="457200" lvl="1" indent="0">
+              <a:buNone/>
+            </a:pPr>
+            <a:r>
+              <a:rPr lang="en-US" dirty="0"/>
+              <a:t>subordinates ARRAY&lt;STRING&gt;,</a:t>
+            </a:r>
+          </a:p>
+          <a:p>
+            <a:pPr marL="457200" lvl="1" indent="0">
+              <a:buNone/>
+            </a:pPr>
+            <a:r>
+              <a:rPr lang="en-US" dirty="0"/>
+              <a:t>deductions MAP&lt;STRING, FLOAT&gt;,</a:t>
+            </a:r>
+          </a:p>
+          <a:p>
+            <a:pPr marL="457200" lvl="1" indent="0">
+              <a:buNone/>
+            </a:pPr>
+            <a:r>
+              <a:rPr lang="en-US" dirty="0"/>
+              <a:t>address STRUCT&lt;</a:t>
+            </a:r>
+            <a:r>
+              <a:rPr lang="en-US" dirty="0" err="1"/>
+              <a:t>street:STRING</a:t>
+            </a:r>
+            <a:r>
+              <a:rPr lang="en-US" dirty="0"/>
+              <a:t>, </a:t>
+            </a:r>
+            <a:r>
+              <a:rPr lang="en-US" dirty="0" err="1"/>
+              <a:t>city:STRING</a:t>
+            </a:r>
+            <a:r>
+              <a:rPr lang="en-US" dirty="0"/>
+              <a:t>, </a:t>
+            </a:r>
+            <a:r>
+              <a:rPr lang="en-US" dirty="0" err="1"/>
+              <a:t>state:STRING</a:t>
+            </a:r>
+            <a:r>
+              <a:rPr lang="en-US" dirty="0"/>
+              <a:t>, </a:t>
+            </a:r>
+            <a:r>
+              <a:rPr lang="en-US" dirty="0" err="1"/>
+              <a:t>zip:INT</a:t>
+            </a:r>
+            <a:r>
+              <a:rPr lang="en-US" dirty="0" smtClean="0"/>
+              <a:t>&gt;</a:t>
+            </a:r>
+          </a:p>
+          <a:p>
+            <a:pPr marL="457200" lvl="1" indent="0">
+              <a:buNone/>
+            </a:pPr>
+            <a:r>
+              <a:rPr lang="en-US" dirty="0" smtClean="0"/>
+              <a:t>Others UNIONTYPE&lt;FLOAT,BOOLEAN,STRING&gt;);</a:t>
+            </a:r>
+            <a:endParaRPr lang="en-US" u="sng" dirty="0" smtClean="0"/>
+          </a:p>
+        </p:txBody>
+      </p:sp>
+    </p:spTree>
+    <p:extLst>
+      <p:ext uri="{BB962C8B-B14F-4D97-AF65-F5344CB8AC3E}">
+        <p14:creationId xmlns:p14="http://schemas.microsoft.com/office/powerpoint/2010/main" val="4064937698"/>
+      </p:ext>
+    </p:extLst>
+  </p:cSld>
+  <p:clrMapOvr>
+    <a:masterClrMapping/>
+  </p:clrMapOvr>
+  <p:timing>
+    <p:tnLst>
+      <p:par>
+        <p:cTn id="1" dur="indefinite" restart="never" nodeType="tmRoot"/>
+      </p:par>
+    </p:tnLst>
+  </p:timing>
+</p:sld>
+</file>
+
+<file path=ppt/slides/slide9.xml><?xml version="1.0" encoding="utf-8"?>
+<p:sld xmlns:a="http://schemas.openxmlformats.org/drawingml/2006/main" xmlns:r="http://schemas.openxmlformats.org/officeDocument/2006/relationships" xmlns:p="http://schemas.openxmlformats.org/presentationml/2006/main">
+  <p:cSld>
+    <p:spTree>
+      <p:nvGrpSpPr>
+        <p:cNvPr id="1" name=""/>
+        <p:cNvGrpSpPr/>
+        <p:nvPr/>
+      </p:nvGrpSpPr>
+      <p:grpSpPr>
+        <a:xfrm>
+          <a:off x="0" y="0"/>
+          <a:ext cx="0" cy="0"/>
+          <a:chOff x="0" y="0"/>
+          <a:chExt cx="0" cy="0"/>
+        </a:xfrm>
+      </p:grpSpPr>
+      <p:sp>
+        <p:nvSpPr>
+          <p:cNvPr id="2" name="Title 1"/>
+          <p:cNvSpPr>
+            <a:spLocks noGrp="1"/>
+          </p:cNvSpPr>
+          <p:nvPr>
+            <p:ph type="title"/>
+          </p:nvPr>
+        </p:nvSpPr>
+        <p:spPr>
+          <a:xfrm>
+            <a:off x="0" y="1"/>
+            <a:ext cx="12192000" cy="791570"/>
+          </a:xfrm>
+        </p:spPr>
+        <p:txBody>
+          <a:bodyPr>
+            <a:normAutofit/>
+          </a:bodyPr>
+          <a:lstStyle/>
+          <a:p>
+            <a:r>
+              <a:rPr lang="en-US" dirty="0" smtClean="0"/>
+              <a:t>How Data Values are encoded in </a:t>
+            </a:r>
+            <a:r>
+              <a:rPr lang="en-US" dirty="0"/>
+              <a:t>Text </a:t>
+            </a:r>
+            <a:r>
+              <a:rPr lang="en-US" dirty="0" smtClean="0"/>
+              <a:t>Files?</a:t>
+            </a:r>
+            <a:endParaRPr lang="en-US" dirty="0"/>
+          </a:p>
+        </p:txBody>
+      </p:sp>
+      <p:sp>
+        <p:nvSpPr>
+          <p:cNvPr id="3" name="Content Placeholder 2"/>
+          <p:cNvSpPr>
+            <a:spLocks noGrp="1"/>
+          </p:cNvSpPr>
+          <p:nvPr>
+            <p:ph idx="1"/>
+          </p:nvPr>
+        </p:nvSpPr>
+        <p:spPr>
+          <a:xfrm>
+            <a:off x="590550" y="791570"/>
+            <a:ext cx="11601450" cy="6066430"/>
+          </a:xfrm>
+        </p:spPr>
+        <p:txBody>
+          <a:bodyPr>
+            <a:normAutofit fontScale="92500"/>
+          </a:bodyPr>
+          <a:lstStyle/>
+          <a:p>
+            <a:r>
+              <a:rPr lang="en-US" dirty="0"/>
+              <a:t>Text files delimited with commas called comma-separated values (CSVs) and</a:t>
+            </a:r>
+          </a:p>
+          <a:p>
+            <a:r>
+              <a:rPr lang="en-US" dirty="0"/>
+              <a:t>Text files delimited with tabs are called tab-separated values (TSVs), respectively</a:t>
+            </a:r>
+            <a:r>
+              <a:rPr lang="en-US" dirty="0" smtClean="0"/>
+              <a:t>.</a:t>
+            </a:r>
+          </a:p>
+          <a:p>
+            <a:r>
+              <a:rPr lang="en-US" dirty="0" smtClean="0"/>
+              <a:t>Hive can use the above 2 formats. However</a:t>
+            </a:r>
+            <a:r>
+              <a:rPr lang="en-US" dirty="0"/>
+              <a:t>, there is </a:t>
+            </a:r>
+            <a:r>
+              <a:rPr lang="en-US" dirty="0" smtClean="0"/>
+              <a:t>a drawback </a:t>
+            </a:r>
+            <a:r>
+              <a:rPr lang="en-US" dirty="0"/>
+              <a:t>to both formats; </a:t>
+            </a:r>
+            <a:endParaRPr lang="en-US" dirty="0" smtClean="0"/>
+          </a:p>
+          <a:p>
+            <a:pPr lvl="1"/>
+            <a:r>
+              <a:rPr lang="en-US" dirty="0" smtClean="0"/>
+              <a:t>you </a:t>
+            </a:r>
+            <a:r>
+              <a:rPr lang="en-US" dirty="0"/>
+              <a:t>have to be careful about commas or tabs embedded </a:t>
+            </a:r>
+            <a:r>
+              <a:rPr lang="en-US" dirty="0" smtClean="0"/>
+              <a:t>in text </a:t>
+            </a:r>
+            <a:r>
+              <a:rPr lang="en-US" dirty="0"/>
+              <a:t>and not intended as field or column delimiters</a:t>
+            </a:r>
+            <a:r>
+              <a:rPr lang="en-US" dirty="0" smtClean="0"/>
+              <a:t>.</a:t>
+            </a:r>
+          </a:p>
+          <a:p>
+            <a:r>
+              <a:rPr lang="en-US" dirty="0"/>
+              <a:t>For this reason, Hive uses </a:t>
+            </a:r>
+            <a:r>
+              <a:rPr lang="en-US" dirty="0" smtClean="0"/>
+              <a:t>various </a:t>
+            </a:r>
+            <a:r>
+              <a:rPr lang="en-US" u="sng" dirty="0" smtClean="0"/>
+              <a:t>control </a:t>
+            </a:r>
+            <a:r>
+              <a:rPr lang="en-US" u="sng" dirty="0"/>
+              <a:t>characters </a:t>
+            </a:r>
+            <a:r>
+              <a:rPr lang="en-US" dirty="0"/>
+              <a:t>by default, which are less </a:t>
+            </a:r>
+            <a:r>
+              <a:rPr lang="en-US" dirty="0" smtClean="0"/>
+              <a:t>likely</a:t>
+            </a:r>
+            <a:r>
+              <a:rPr lang="en-US" u="sng" dirty="0" smtClean="0"/>
+              <a:t>(rarely)</a:t>
+            </a:r>
+            <a:r>
+              <a:rPr lang="en-US" dirty="0" smtClean="0"/>
+              <a:t> </a:t>
+            </a:r>
+            <a:r>
+              <a:rPr lang="en-US" dirty="0"/>
+              <a:t>to </a:t>
+            </a:r>
+            <a:r>
+              <a:rPr lang="en-US" u="sng" dirty="0"/>
+              <a:t>appear in value strings</a:t>
+            </a:r>
+            <a:r>
+              <a:rPr lang="en-US" dirty="0" smtClean="0"/>
+              <a:t>.</a:t>
+            </a:r>
+          </a:p>
+          <a:p>
+            <a:r>
+              <a:rPr lang="en-US" i="1" u="sng" dirty="0"/>
+              <a:t>Hive’s default record and </a:t>
+            </a:r>
+            <a:r>
+              <a:rPr lang="en-US" i="1" u="sng" dirty="0" smtClean="0"/>
+              <a:t>field delimiters:</a:t>
+            </a:r>
+          </a:p>
+          <a:p>
+            <a:pPr lvl="1"/>
+            <a:r>
+              <a:rPr lang="en-US" b="1" dirty="0"/>
+              <a:t>\</a:t>
+            </a:r>
+            <a:r>
+              <a:rPr lang="en-US" b="1" dirty="0" smtClean="0"/>
+              <a:t>n </a:t>
+            </a:r>
+            <a:r>
+              <a:rPr lang="en-US" dirty="0" smtClean="0"/>
+              <a:t>	For </a:t>
+            </a:r>
+            <a:r>
+              <a:rPr lang="en-US" dirty="0"/>
+              <a:t>text files, each line is a record, so the line feed character separates records.</a:t>
+            </a:r>
+          </a:p>
+          <a:p>
+            <a:pPr lvl="1"/>
+            <a:r>
+              <a:rPr lang="en-US" b="1" dirty="0"/>
+              <a:t>^A </a:t>
+            </a:r>
+            <a:r>
+              <a:rPr lang="en-US" dirty="0"/>
+              <a:t>(“control” A) </a:t>
+            </a:r>
+            <a:r>
+              <a:rPr lang="en-US" dirty="0" smtClean="0"/>
+              <a:t>	Separates </a:t>
+            </a:r>
+            <a:r>
+              <a:rPr lang="en-US" u="sng" dirty="0"/>
+              <a:t>all</a:t>
+            </a:r>
+            <a:r>
+              <a:rPr lang="en-US" dirty="0"/>
+              <a:t> </a:t>
+            </a:r>
+            <a:r>
+              <a:rPr lang="en-US" u="sng" dirty="0"/>
+              <a:t>fields</a:t>
+            </a:r>
+            <a:r>
+              <a:rPr lang="en-US" dirty="0"/>
+              <a:t> (columns). Written using the octal code </a:t>
+            </a:r>
+            <a:r>
+              <a:rPr lang="en-US" b="1" dirty="0"/>
+              <a:t>\001 </a:t>
+            </a:r>
+            <a:r>
+              <a:rPr lang="en-US" dirty="0"/>
+              <a:t>when </a:t>
+            </a:r>
+            <a:r>
+              <a:rPr lang="en-US" dirty="0" smtClean="0"/>
+              <a:t>explicitly specified </a:t>
+            </a:r>
+            <a:r>
+              <a:rPr lang="en-US" dirty="0"/>
+              <a:t>in CREATE TABLE statements.</a:t>
+            </a:r>
+          </a:p>
+          <a:p>
+            <a:pPr lvl="1"/>
+            <a:r>
+              <a:rPr lang="en-US" b="1" dirty="0"/>
+              <a:t>^B </a:t>
+            </a:r>
+            <a:r>
+              <a:rPr lang="en-US" dirty="0" smtClean="0"/>
+              <a:t>		Separate </a:t>
+            </a:r>
+            <a:r>
+              <a:rPr lang="en-US" dirty="0"/>
+              <a:t>the elements in an ARRAY or STRUCT, or the key-value pairs in a MAP</a:t>
+            </a:r>
+            <a:r>
+              <a:rPr lang="en-US" dirty="0" smtClean="0"/>
+              <a:t>. Written </a:t>
+            </a:r>
+            <a:r>
+              <a:rPr lang="en-US" dirty="0"/>
+              <a:t>using the octal code </a:t>
+            </a:r>
+            <a:r>
+              <a:rPr lang="en-US" b="1" dirty="0"/>
+              <a:t>\002 </a:t>
+            </a:r>
+            <a:r>
+              <a:rPr lang="en-US" dirty="0"/>
+              <a:t>when explicitly specified in CREATE </a:t>
+            </a:r>
+            <a:r>
+              <a:rPr lang="en-US" dirty="0" smtClean="0"/>
+              <a:t>TABLE statements</a:t>
+            </a:r>
+            <a:r>
+              <a:rPr lang="en-US" dirty="0"/>
+              <a:t>.</a:t>
+            </a:r>
+          </a:p>
+          <a:p>
+            <a:pPr lvl="1"/>
+            <a:r>
+              <a:rPr lang="en-US" b="1" dirty="0"/>
+              <a:t>^C </a:t>
+            </a:r>
+            <a:r>
+              <a:rPr lang="en-US" dirty="0" smtClean="0"/>
+              <a:t>		Separate </a:t>
+            </a:r>
+            <a:r>
+              <a:rPr lang="en-US" dirty="0"/>
+              <a:t>the key from the corresponding value in MAP key-value pairs. Written </a:t>
+            </a:r>
+            <a:r>
+              <a:rPr lang="en-US" dirty="0" smtClean="0"/>
+              <a:t>using the </a:t>
+            </a:r>
+            <a:r>
+              <a:rPr lang="en-US" dirty="0"/>
+              <a:t>octal code </a:t>
+            </a:r>
+            <a:r>
+              <a:rPr lang="en-US" b="1" dirty="0"/>
+              <a:t>\003 </a:t>
+            </a:r>
+            <a:r>
+              <a:rPr lang="en-US" dirty="0"/>
+              <a:t>when explicitly specified in CREATE TABLE statements.</a:t>
+            </a:r>
+            <a:endParaRPr lang="en-US" u="sng" dirty="0" smtClean="0"/>
+          </a:p>
+        </p:txBody>
+      </p:sp>
+    </p:spTree>
+    <p:extLst>
+      <p:ext uri="{BB962C8B-B14F-4D97-AF65-F5344CB8AC3E}">
+        <p14:creationId xmlns:p14="http://schemas.microsoft.com/office/powerpoint/2010/main" val="3754420116"/>
       </p:ext>
     </p:extLst>
   </p:cSld>
